--- a/topic04-functions-and-lambda-calculus/unit-04a-lectures/talk-1/a-functions.pptx
+++ b/topic04-functions-and-lambda-calculus/unit-04a-lectures/talk-1/a-functions.pptx
@@ -548,14 +548,14 @@
           </a:ln>
           <a:extLst>
             <a:ext uri="{909E8E84-426E-40dd-AFC4-6F175D3DCCD1}">
-              <a14:hiddenFill xmlns="" xmlns:a14="http://schemas.microsoft.com/office/drawing/2010/main">
+              <a14:hiddenFill xmlns:a14="http://schemas.microsoft.com/office/drawing/2010/main" xmlns="">
                 <a:solidFill>
                   <a:srgbClr val="FFFFFF"/>
                 </a:solidFill>
               </a14:hiddenFill>
             </a:ext>
             <a:ext uri="{FAA26D3D-D897-4be2-8F04-BA451C77F1D7}">
-              <ma14:placeholderFlag xmlns="" xmlns:ma14="http://schemas.microsoft.com/office/mac/drawingml/2011/main" val="1"/>
+              <ma14:placeholderFlag xmlns:ma14="http://schemas.microsoft.com/office/mac/drawingml/2011/main" xmlns="" val="1"/>
             </a:ext>
           </a:extLst>
         </p:spPr>
@@ -889,14 +889,14 @@
           <a:noFill/>
           <a:extLst>
             <a:ext uri="{909E8E84-426E-40dd-AFC4-6F175D3DCCD1}">
-              <a14:hiddenFill xmlns="" xmlns:a14="http://schemas.microsoft.com/office/drawing/2010/main">
+              <a14:hiddenFill xmlns:a14="http://schemas.microsoft.com/office/drawing/2010/main" xmlns="">
                 <a:solidFill>
                   <a:srgbClr val="FFFFFF"/>
                 </a:solidFill>
               </a14:hiddenFill>
             </a:ext>
             <a:ext uri="{91240B29-F687-4f45-9708-019B960494DF}">
-              <a14:hiddenLine xmlns="" xmlns:a14="http://schemas.microsoft.com/office/drawing/2010/main" w="9525">
+              <a14:hiddenLine xmlns:a14="http://schemas.microsoft.com/office/drawing/2010/main" xmlns="" w="9525">
                 <a:solidFill>
                   <a:srgbClr val="000000"/>
                 </a:solidFill>
@@ -1104,14 +1104,14 @@
           <a:noFill/>
           <a:extLst>
             <a:ext uri="{909E8E84-426E-40dd-AFC4-6F175D3DCCD1}">
-              <a14:hiddenFill xmlns="" xmlns:a14="http://schemas.microsoft.com/office/drawing/2010/main">
+              <a14:hiddenFill xmlns:a14="http://schemas.microsoft.com/office/drawing/2010/main" xmlns="">
                 <a:solidFill>
                   <a:srgbClr val="FFFFFF"/>
                 </a:solidFill>
               </a14:hiddenFill>
             </a:ext>
             <a:ext uri="{91240B29-F687-4f45-9708-019B960494DF}">
-              <a14:hiddenLine xmlns="" xmlns:a14="http://schemas.microsoft.com/office/drawing/2010/main" w="9525">
+              <a14:hiddenLine xmlns:a14="http://schemas.microsoft.com/office/drawing/2010/main" xmlns="" w="9525">
                 <a:solidFill>
                   <a:srgbClr val="000000"/>
                 </a:solidFill>
@@ -1568,7 +1568,7 @@
             <a:fld id="{08B9EBBA-996F-894A-B54A-D6246ED52CEA}" type="datetimeFigureOut">
               <a:rPr lang="en-US" smtClean="0"/>
               <a:pPr/>
-              <a:t>1/29/25</a:t>
+              <a:t>1/27/26</a:t>
             </a:fld>
             <a:endParaRPr lang="en-US" dirty="0"/>
           </a:p>
@@ -1990,7 +1990,7 @@
             <a:fld id="{09B482E8-6E0E-1B4F-B1FD-C69DB9E858D9}" type="datetimeFigureOut">
               <a:rPr lang="en-US" smtClean="0"/>
               <a:pPr/>
-              <a:t>1/29/25</a:t>
+              <a:t>1/27/26</a:t>
             </a:fld>
             <a:endParaRPr lang="en-US" dirty="0"/>
           </a:p>
@@ -2334,7 +2334,7 @@
             <a:fld id="{09B482E8-6E0E-1B4F-B1FD-C69DB9E858D9}" type="datetimeFigureOut">
               <a:rPr lang="en-US" smtClean="0"/>
               <a:pPr/>
-              <a:t>1/29/25</a:t>
+              <a:t>1/27/26</a:t>
             </a:fld>
             <a:endParaRPr lang="en-US" dirty="0"/>
           </a:p>
@@ -2747,7 +2747,7 @@
             <a:fld id="{09B482E8-6E0E-1B4F-B1FD-C69DB9E858D9}" type="datetimeFigureOut">
               <a:rPr lang="en-US" smtClean="0"/>
               <a:pPr/>
-              <a:t>1/29/25</a:t>
+              <a:t>1/27/26</a:t>
             </a:fld>
             <a:endParaRPr lang="en-US" dirty="0"/>
           </a:p>
@@ -3323,7 +3323,7 @@
             <a:fld id="{09B482E8-6E0E-1B4F-B1FD-C69DB9E858D9}" type="datetimeFigureOut">
               <a:rPr lang="en-US" smtClean="0"/>
               <a:pPr/>
-              <a:t>1/29/25</a:t>
+              <a:t>1/27/26</a:t>
             </a:fld>
             <a:endParaRPr lang="en-US" dirty="0"/>
           </a:p>
@@ -4012,7 +4012,7 @@
             <a:fld id="{09B482E8-6E0E-1B4F-B1FD-C69DB9E858D9}" type="datetimeFigureOut">
               <a:rPr lang="en-US" smtClean="0"/>
               <a:pPr/>
-              <a:t>1/29/25</a:t>
+              <a:t>1/27/26</a:t>
             </a:fld>
             <a:endParaRPr lang="en-US" dirty="0"/>
           </a:p>
@@ -4933,7 +4933,7 @@
             <a:fld id="{09B482E8-6E0E-1B4F-B1FD-C69DB9E858D9}" type="datetimeFigureOut">
               <a:rPr lang="en-US" smtClean="0"/>
               <a:pPr/>
-              <a:t>1/29/25</a:t>
+              <a:t>1/27/26</a:t>
             </a:fld>
             <a:endParaRPr lang="en-US" dirty="0"/>
           </a:p>
@@ -5254,7 +5254,7 @@
             <a:fld id="{09B482E8-6E0E-1B4F-B1FD-C69DB9E858D9}" type="datetimeFigureOut">
               <a:rPr lang="en-US" smtClean="0"/>
               <a:pPr/>
-              <a:t>1/29/25</a:t>
+              <a:t>1/27/26</a:t>
             </a:fld>
             <a:endParaRPr lang="en-US" dirty="0"/>
           </a:p>
@@ -5525,7 +5525,7 @@
             <a:fld id="{09B482E8-6E0E-1B4F-B1FD-C69DB9E858D9}" type="datetimeFigureOut">
               <a:rPr lang="en-US" smtClean="0"/>
               <a:pPr/>
-              <a:t>1/29/25</a:t>
+              <a:t>1/27/26</a:t>
             </a:fld>
             <a:endParaRPr lang="en-US" dirty="0"/>
           </a:p>
@@ -5855,7 +5855,7 @@
             <a:fld id="{09B482E8-6E0E-1B4F-B1FD-C69DB9E858D9}" type="datetimeFigureOut">
               <a:rPr lang="en-US" smtClean="0"/>
               <a:pPr/>
-              <a:t>1/29/25</a:t>
+              <a:t>1/27/26</a:t>
             </a:fld>
             <a:endParaRPr lang="en-US" dirty="0"/>
           </a:p>
@@ -6251,7 +6251,7 @@
             <a:fld id="{8DFA1846-DA80-1C48-A609-854EA85C59AD}" type="datetimeFigureOut">
               <a:rPr lang="en-US" smtClean="0"/>
               <a:pPr/>
-              <a:t>1/29/25</a:t>
+              <a:t>1/27/26</a:t>
             </a:fld>
             <a:endParaRPr lang="en-US" dirty="0"/>
           </a:p>
@@ -6634,7 +6634,7 @@
             <a:fld id="{09B482E8-6E0E-1B4F-B1FD-C69DB9E858D9}" type="datetimeFigureOut">
               <a:rPr lang="en-US" smtClean="0"/>
               <a:pPr/>
-              <a:t>1/29/25</a:t>
+              <a:t>1/27/26</a:t>
             </a:fld>
             <a:endParaRPr lang="en-US" dirty="0"/>
           </a:p>
@@ -7147,7 +7147,7 @@
             <a:fld id="{09B482E8-6E0E-1B4F-B1FD-C69DB9E858D9}" type="datetimeFigureOut">
               <a:rPr lang="en-US" smtClean="0"/>
               <a:pPr/>
-              <a:t>1/29/25</a:t>
+              <a:t>1/27/26</a:t>
             </a:fld>
             <a:endParaRPr lang="en-US" dirty="0"/>
           </a:p>
@@ -7411,7 +7411,7 @@
             <a:fld id="{F13A34C8-038E-2045-AF43-DF7DBB8E0E9E}" type="datetimeFigureOut">
               <a:rPr lang="en-US" smtClean="0"/>
               <a:pPr/>
-              <a:t>1/29/25</a:t>
+              <a:t>1/27/26</a:t>
             </a:fld>
             <a:endParaRPr lang="en-US" dirty="0"/>
           </a:p>
@@ -7562,6 +7562,13 @@
             <a:schemeClr val="lt1"/>
           </a:fontRef>
         </p:style>
+        <p:txBody>
+          <a:bodyPr/>
+          <a:lstStyle/>
+          <a:p>
+            <a:endParaRPr lang="en-US"/>
+          </a:p>
+        </p:txBody>
       </p:sp>
       <p:sp>
         <p:nvSpPr>
@@ -7581,7 +7588,7 @@
             <a:fld id="{8818C68F-D26B-8F47-958C-23B49CF8A634}" type="datetimeFigureOut">
               <a:rPr lang="en-US" smtClean="0"/>
               <a:pPr/>
-              <a:t>1/29/25</a:t>
+              <a:t>1/27/26</a:t>
             </a:fld>
             <a:endParaRPr lang="en-US" dirty="0"/>
           </a:p>
@@ -7978,7 +7985,7 @@
             <a:fld id="{09B482E8-6E0E-1B4F-B1FD-C69DB9E858D9}" type="datetimeFigureOut">
               <a:rPr lang="en-US" smtClean="0"/>
               <a:pPr/>
-              <a:t>1/29/25</a:t>
+              <a:t>1/27/26</a:t>
             </a:fld>
             <a:endParaRPr lang="en-US" dirty="0"/>
           </a:p>
@@ -8394,7 +8401,7 @@
             <a:fld id="{09B482E8-6E0E-1B4F-B1FD-C69DB9E858D9}" type="datetimeFigureOut">
               <a:rPr lang="en-US" smtClean="0"/>
               <a:pPr/>
-              <a:t>1/29/25</a:t>
+              <a:t>1/27/26</a:t>
             </a:fld>
             <a:endParaRPr lang="en-US" dirty="0"/>
           </a:p>
@@ -8645,7 +8652,7 @@
             <a:fld id="{09B482E8-6E0E-1B4F-B1FD-C69DB9E858D9}" type="datetimeFigureOut">
               <a:rPr lang="en-US" smtClean="0"/>
               <a:pPr/>
-              <a:t>1/29/25</a:t>
+              <a:t>1/27/26</a:t>
             </a:fld>
             <a:endParaRPr lang="en-US" dirty="0"/>
           </a:p>
@@ -9082,14 +9089,14 @@
           <a:noFill/>
           <a:extLst>
             <a:ext uri="{909E8E84-426E-40dd-AFC4-6F175D3DCCD1}">
-              <a14:hiddenFill xmlns="" xmlns:a14="http://schemas.microsoft.com/office/drawing/2010/main">
+              <a14:hiddenFill xmlns:a14="http://schemas.microsoft.com/office/drawing/2010/main" xmlns="">
                 <a:solidFill>
                   <a:srgbClr val="FFFFFF"/>
                 </a:solidFill>
               </a14:hiddenFill>
             </a:ext>
             <a:ext uri="{91240B29-F687-4f45-9708-019B960494DF}">
-              <a14:hiddenLine xmlns="" xmlns:a14="http://schemas.microsoft.com/office/drawing/2010/main" w="9525">
+              <a14:hiddenLine xmlns:a14="http://schemas.microsoft.com/office/drawing/2010/main" xmlns="" w="9525">
                 <a:solidFill>
                   <a:srgbClr val="000000"/>
                 </a:solidFill>
@@ -9294,10 +9301,16 @@
               <a:defRPr/>
             </a:pPr>
             <a:r>
+              <a:rPr kumimoji="1" lang="en-US" sz="3200">
+                <a:cs typeface="+mn-cs"/>
+              </a:rPr>
+              <a:t>Topic </a:t>
+            </a:r>
+            <a:r>
               <a:rPr kumimoji="1" lang="en-US" sz="3200" dirty="0">
                 <a:cs typeface="+mn-cs"/>
               </a:rPr>
-              <a:t>Chapter 4 - Defining Functions</a:t>
+              <a:t>4 - Defining Functions</a:t>
             </a:r>
           </a:p>
         </p:txBody>
@@ -9337,14 +9350,14 @@
           </a:ln>
           <a:extLst>
             <a:ext uri="{909E8E84-426E-40dd-AFC4-6F175D3DCCD1}">
-              <a14:hiddenFill xmlns="" xmlns:a14="http://schemas.microsoft.com/office/drawing/2010/main">
+              <a14:hiddenFill xmlns:a14="http://schemas.microsoft.com/office/drawing/2010/main" xmlns="">
                 <a:solidFill>
                   <a:srgbClr val="FFFFFF"/>
                 </a:solidFill>
               </a14:hiddenFill>
             </a:ext>
             <a:ext uri="{91240B29-F687-4f45-9708-019B960494DF}">
-              <a14:hiddenLine xmlns="" xmlns:a14="http://schemas.microsoft.com/office/drawing/2010/main" w="9525">
+              <a14:hiddenLine xmlns:a14="http://schemas.microsoft.com/office/drawing/2010/main" xmlns="" w="9525">
                 <a:solidFill>
                   <a:srgbClr val="000000"/>
                 </a:solidFill>
@@ -9431,14 +9444,14 @@
         <p:spPr>
           <a:extLst>
             <a:ext uri="{909E8E84-426E-40dd-AFC4-6F175D3DCCD1}">
-              <a14:hiddenFill xmlns:a14="http://schemas.microsoft.com/office/drawing/2010/main" xmlns="">
+              <a14:hiddenFill xmlns="" xmlns:a14="http://schemas.microsoft.com/office/drawing/2010/main">
                 <a:solidFill>
                   <a:srgbClr val="FFFFFF"/>
                 </a:solidFill>
               </a14:hiddenFill>
             </a:ext>
             <a:ext uri="{91240B29-F687-4f45-9708-019B960494DF}">
-              <a14:hiddenLine xmlns:a14="http://schemas.microsoft.com/office/drawing/2010/main" xmlns="" w="9525">
+              <a14:hiddenLine xmlns="" xmlns:a14="http://schemas.microsoft.com/office/drawing/2010/main" w="9525">
                 <a:solidFill>
                   <a:srgbClr val="000000"/>
                 </a:solidFill>
@@ -10357,14 +10370,14 @@
           <a:noFill/>
           <a:extLst>
             <a:ext uri="{909E8E84-426E-40dd-AFC4-6F175D3DCCD1}">
-              <a14:hiddenFill xmlns:a14="http://schemas.microsoft.com/office/drawing/2010/main" xmlns="">
+              <a14:hiddenFill xmlns="" xmlns:a14="http://schemas.microsoft.com/office/drawing/2010/main">
                 <a:solidFill>
                   <a:srgbClr val="FFFFFF"/>
                 </a:solidFill>
               </a14:hiddenFill>
             </a:ext>
             <a:ext uri="{91240B29-F687-4f45-9708-019B960494DF}">
-              <a14:hiddenLine xmlns:a14="http://schemas.microsoft.com/office/drawing/2010/main" xmlns="" w="9525">
+              <a14:hiddenLine xmlns="" xmlns:a14="http://schemas.microsoft.com/office/drawing/2010/main" w="9525">
                 <a:solidFill>
                   <a:srgbClr val="000000"/>
                 </a:solidFill>
@@ -11089,14 +11102,14 @@
           <a:noFill/>
           <a:extLst>
             <a:ext uri="{909E8E84-426E-40dd-AFC4-6F175D3DCCD1}">
-              <a14:hiddenFill xmlns="" xmlns:a14="http://schemas.microsoft.com/office/drawing/2010/main">
+              <a14:hiddenFill xmlns:a14="http://schemas.microsoft.com/office/drawing/2010/main" xmlns="">
                 <a:solidFill>
                   <a:srgbClr val="FFFFFF"/>
                 </a:solidFill>
               </a14:hiddenFill>
             </a:ext>
             <a:ext uri="{91240B29-F687-4f45-9708-019B960494DF}">
-              <a14:hiddenLine xmlns="" xmlns:a14="http://schemas.microsoft.com/office/drawing/2010/main" w="9525">
+              <a14:hiddenLine xmlns:a14="http://schemas.microsoft.com/office/drawing/2010/main" xmlns="" w="9525">
                 <a:solidFill>
                   <a:srgbClr val="000000"/>
                 </a:solidFill>
@@ -11661,14 +11674,14 @@
           <a:noFill/>
           <a:extLst>
             <a:ext uri="{909E8E84-426E-40dd-AFC4-6F175D3DCCD1}">
-              <a14:hiddenFill xmlns="" xmlns:a14="http://schemas.microsoft.com/office/drawing/2010/main">
+              <a14:hiddenFill xmlns:a14="http://schemas.microsoft.com/office/drawing/2010/main" xmlns="">
                 <a:solidFill>
                   <a:srgbClr val="FFFFFF"/>
                 </a:solidFill>
               </a14:hiddenFill>
             </a:ext>
             <a:ext uri="{91240B29-F687-4f45-9708-019B960494DF}">
-              <a14:hiddenLine xmlns="" xmlns:a14="http://schemas.microsoft.com/office/drawing/2010/main" w="9525">
+              <a14:hiddenLine xmlns:a14="http://schemas.microsoft.com/office/drawing/2010/main" xmlns="" w="9525">
                 <a:solidFill>
                   <a:srgbClr val="000000"/>
                 </a:solidFill>
@@ -12153,14 +12166,14 @@
           <a:noFill/>
           <a:extLst>
             <a:ext uri="{909E8E84-426E-40dd-AFC4-6F175D3DCCD1}">
-              <a14:hiddenFill xmlns="" xmlns:a14="http://schemas.microsoft.com/office/drawing/2010/main">
+              <a14:hiddenFill xmlns:a14="http://schemas.microsoft.com/office/drawing/2010/main" xmlns="">
                 <a:solidFill>
                   <a:srgbClr val="FFFFFF"/>
                 </a:solidFill>
               </a14:hiddenFill>
             </a:ext>
             <a:ext uri="{91240B29-F687-4f45-9708-019B960494DF}">
-              <a14:hiddenLine xmlns="" xmlns:a14="http://schemas.microsoft.com/office/drawing/2010/main" w="9525">
+              <a14:hiddenLine xmlns:a14="http://schemas.microsoft.com/office/drawing/2010/main" xmlns="" w="9525">
                 <a:solidFill>
                   <a:srgbClr val="000000"/>
                 </a:solidFill>
@@ -12355,14 +12368,14 @@
           </a:ln>
           <a:extLst>
             <a:ext uri="{909E8E84-426E-40dd-AFC4-6F175D3DCCD1}">
-              <a14:hiddenFill xmlns="" xmlns:a14="http://schemas.microsoft.com/office/drawing/2010/main">
+              <a14:hiddenFill xmlns:a14="http://schemas.microsoft.com/office/drawing/2010/main" xmlns="">
                 <a:solidFill>
                   <a:srgbClr val="FFFFFF"/>
                 </a:solidFill>
               </a14:hiddenFill>
             </a:ext>
             <a:ext uri="{91240B29-F687-4f45-9708-019B960494DF}">
-              <a14:hiddenLine xmlns="" xmlns:a14="http://schemas.microsoft.com/office/drawing/2010/main" w="9525">
+              <a14:hiddenLine xmlns:a14="http://schemas.microsoft.com/office/drawing/2010/main" xmlns="" w="9525">
                 <a:solidFill>
                   <a:srgbClr val="000000"/>
                 </a:solidFill>
@@ -12786,14 +12799,14 @@
           <a:noFill/>
           <a:extLst>
             <a:ext uri="{909E8E84-426E-40dd-AFC4-6F175D3DCCD1}">
-              <a14:hiddenFill xmlns:a14="http://schemas.microsoft.com/office/drawing/2010/main" xmlns="">
+              <a14:hiddenFill xmlns="" xmlns:a14="http://schemas.microsoft.com/office/drawing/2010/main">
                 <a:solidFill>
                   <a:srgbClr val="FFFFFF"/>
                 </a:solidFill>
               </a14:hiddenFill>
             </a:ext>
             <a:ext uri="{91240B29-F687-4f45-9708-019B960494DF}">
-              <a14:hiddenLine xmlns:a14="http://schemas.microsoft.com/office/drawing/2010/main" xmlns="" w="9525">
+              <a14:hiddenLine xmlns="" xmlns:a14="http://schemas.microsoft.com/office/drawing/2010/main" w="9525">
                 <a:solidFill>
                   <a:srgbClr val="000000"/>
                 </a:solidFill>
@@ -13283,14 +13296,14 @@
           <a:noFill/>
           <a:extLst>
             <a:ext uri="{909E8E84-426E-40dd-AFC4-6F175D3DCCD1}">
-              <a14:hiddenFill xmlns="" xmlns:a14="http://schemas.microsoft.com/office/drawing/2010/main">
+              <a14:hiddenFill xmlns:a14="http://schemas.microsoft.com/office/drawing/2010/main" xmlns="">
                 <a:solidFill>
                   <a:srgbClr val="FFFFFF"/>
                 </a:solidFill>
               </a14:hiddenFill>
             </a:ext>
             <a:ext uri="{91240B29-F687-4f45-9708-019B960494DF}">
-              <a14:hiddenLine xmlns="" xmlns:a14="http://schemas.microsoft.com/office/drawing/2010/main" w="9525">
+              <a14:hiddenLine xmlns:a14="http://schemas.microsoft.com/office/drawing/2010/main" xmlns="" w="9525">
                 <a:solidFill>
                   <a:srgbClr val="000000"/>
                 </a:solidFill>
@@ -13849,14 +13862,14 @@
           <a:noFill/>
           <a:extLst>
             <a:ext uri="{909E8E84-426E-40dd-AFC4-6F175D3DCCD1}">
-              <a14:hiddenFill xmlns="" xmlns:a14="http://schemas.microsoft.com/office/drawing/2010/main">
+              <a14:hiddenFill xmlns:a14="http://schemas.microsoft.com/office/drawing/2010/main" xmlns="">
                 <a:solidFill>
                   <a:srgbClr val="FFFFFF"/>
                 </a:solidFill>
               </a14:hiddenFill>
             </a:ext>
             <a:ext uri="{91240B29-F687-4f45-9708-019B960494DF}">
-              <a14:hiddenLine xmlns="" xmlns:a14="http://schemas.microsoft.com/office/drawing/2010/main" w="9525">
+              <a14:hiddenLine xmlns:a14="http://schemas.microsoft.com/office/drawing/2010/main" xmlns="" w="9525">
                 <a:solidFill>
                   <a:srgbClr val="000000"/>
                 </a:solidFill>
@@ -14835,14 +14848,14 @@
           <a:noFill/>
           <a:extLst>
             <a:ext uri="{909E8E84-426E-40dd-AFC4-6F175D3DCCD1}">
-              <a14:hiddenFill xmlns="" xmlns:a14="http://schemas.microsoft.com/office/drawing/2010/main">
+              <a14:hiddenFill xmlns:a14="http://schemas.microsoft.com/office/drawing/2010/main" xmlns="">
                 <a:solidFill>
                   <a:srgbClr val="FFFFFF"/>
                 </a:solidFill>
               </a14:hiddenFill>
             </a:ext>
             <a:ext uri="{91240B29-F687-4f45-9708-019B960494DF}">
-              <a14:hiddenLine xmlns="" xmlns:a14="http://schemas.microsoft.com/office/drawing/2010/main" w="9525">
+              <a14:hiddenLine xmlns:a14="http://schemas.microsoft.com/office/drawing/2010/main" xmlns="" w="9525">
                 <a:solidFill>
                   <a:srgbClr val="000000"/>
                 </a:solidFill>
@@ -15581,14 +15594,14 @@
           <a:noFill/>
           <a:extLst>
             <a:ext uri="{909E8E84-426E-40dd-AFC4-6F175D3DCCD1}">
-              <a14:hiddenFill xmlns="" xmlns:a14="http://schemas.microsoft.com/office/drawing/2010/main">
+              <a14:hiddenFill xmlns:a14="http://schemas.microsoft.com/office/drawing/2010/main" xmlns="">
                 <a:solidFill>
                   <a:srgbClr val="FFFFFF"/>
                 </a:solidFill>
               </a14:hiddenFill>
             </a:ext>
             <a:ext uri="{91240B29-F687-4f45-9708-019B960494DF}">
-              <a14:hiddenLine xmlns="" xmlns:a14="http://schemas.microsoft.com/office/drawing/2010/main" w="9525">
+              <a14:hiddenLine xmlns:a14="http://schemas.microsoft.com/office/drawing/2010/main" xmlns="" w="9525">
                 <a:solidFill>
                   <a:srgbClr val="000000"/>
                 </a:solidFill>
@@ -15741,14 +15754,14 @@
           </a:ln>
           <a:extLst>
             <a:ext uri="{909E8E84-426E-40dd-AFC4-6F175D3DCCD1}">
-              <a14:hiddenFill xmlns="" xmlns:a14="http://schemas.microsoft.com/office/drawing/2010/main">
+              <a14:hiddenFill xmlns:a14="http://schemas.microsoft.com/office/drawing/2010/main" xmlns="">
                 <a:solidFill>
                   <a:srgbClr val="FFFFFF"/>
                 </a:solidFill>
               </a14:hiddenFill>
             </a:ext>
             <a:ext uri="{91240B29-F687-4f45-9708-019B960494DF}">
-              <a14:hiddenLine xmlns="" xmlns:a14="http://schemas.microsoft.com/office/drawing/2010/main" w="9525">
+              <a14:hiddenLine xmlns:a14="http://schemas.microsoft.com/office/drawing/2010/main" xmlns="" w="9525">
                 <a:solidFill>
                   <a:srgbClr val="000000"/>
                 </a:solidFill>
@@ -15886,14 +15899,14 @@
           </a:ln>
           <a:extLst>
             <a:ext uri="{909E8E84-426E-40dd-AFC4-6F175D3DCCD1}">
-              <a14:hiddenFill xmlns="" xmlns:a14="http://schemas.microsoft.com/office/drawing/2010/main">
+              <a14:hiddenFill xmlns:a14="http://schemas.microsoft.com/office/drawing/2010/main" xmlns="">
                 <a:solidFill>
                   <a:srgbClr val="FFFFFF"/>
                 </a:solidFill>
               </a14:hiddenFill>
             </a:ext>
             <a:ext uri="{91240B29-F687-4f45-9708-019B960494DF}">
-              <a14:hiddenLine xmlns="" xmlns:a14="http://schemas.microsoft.com/office/drawing/2010/main" w="9525">
+              <a14:hiddenLine xmlns:a14="http://schemas.microsoft.com/office/drawing/2010/main" xmlns="" w="9525">
                 <a:solidFill>
                   <a:srgbClr val="000000"/>
                 </a:solidFill>
@@ -16565,14 +16578,14 @@
         <p:spPr>
           <a:extLst>
             <a:ext uri="{909E8E84-426E-40dd-AFC4-6F175D3DCCD1}">
-              <a14:hiddenFill xmlns:a14="http://schemas.microsoft.com/office/drawing/2010/main" xmlns="">
+              <a14:hiddenFill xmlns="" xmlns:a14="http://schemas.microsoft.com/office/drawing/2010/main">
                 <a:solidFill>
                   <a:srgbClr val="FFFFFF"/>
                 </a:solidFill>
               </a14:hiddenFill>
             </a:ext>
             <a:ext uri="{91240B29-F687-4f45-9708-019B960494DF}">
-              <a14:hiddenLine xmlns:a14="http://schemas.microsoft.com/office/drawing/2010/main" xmlns="" w="9525">
+              <a14:hiddenLine xmlns="" xmlns:a14="http://schemas.microsoft.com/office/drawing/2010/main" w="9525">
                 <a:solidFill>
                   <a:srgbClr val="000000"/>
                 </a:solidFill>
@@ -16784,14 +16797,14 @@
           </a:ln>
           <a:extLst>
             <a:ext uri="{909E8E84-426E-40dd-AFC4-6F175D3DCCD1}">
-              <a14:hiddenFill xmlns:a14="http://schemas.microsoft.com/office/drawing/2010/main" xmlns="">
+              <a14:hiddenFill xmlns="" xmlns:a14="http://schemas.microsoft.com/office/drawing/2010/main">
                 <a:solidFill>
                   <a:srgbClr val="FFFFFF"/>
                 </a:solidFill>
               </a14:hiddenFill>
             </a:ext>
             <a:ext uri="{91240B29-F687-4f45-9708-019B960494DF}">
-              <a14:hiddenLine xmlns:a14="http://schemas.microsoft.com/office/drawing/2010/main" xmlns="" w="9525">
+              <a14:hiddenLine xmlns="" xmlns:a14="http://schemas.microsoft.com/office/drawing/2010/main" w="9525">
                 <a:solidFill>
                   <a:srgbClr val="000000"/>
                 </a:solidFill>
@@ -16801,7 +16814,7 @@
               </a14:hiddenLine>
             </a:ext>
             <a:ext uri="{FAA26D3D-D897-4be2-8F04-BA451C77F1D7}">
-              <ma14:placeholderFlag xmlns:ma14="http://schemas.microsoft.com/office/mac/drawingml/2011/main" xmlns="" val="1"/>
+              <ma14:placeholderFlag xmlns="" xmlns:ma14="http://schemas.microsoft.com/office/mac/drawingml/2011/main" val="1"/>
             </a:ext>
           </a:extLst>
         </p:spPr>
@@ -16953,14 +16966,14 @@
           <a:effectLst/>
           <a:extLst>
             <a:ext uri="{909E8E84-426E-40dd-AFC4-6F175D3DCCD1}">
-              <a14:hiddenFill xmlns:a14="http://schemas.microsoft.com/office/drawing/2010/main" xmlns="">
+              <a14:hiddenFill xmlns="" xmlns:a14="http://schemas.microsoft.com/office/drawing/2010/main">
                 <a:solidFill>
                   <a:schemeClr val="accent1"/>
                 </a:solidFill>
               </a14:hiddenFill>
             </a:ext>
             <a:ext uri="{AF507438-7753-43e0-B8FC-AC1667EBCBE1}">
-              <a14:hiddenEffects xmlns:a14="http://schemas.microsoft.com/office/drawing/2010/main" xmlns="">
+              <a14:hiddenEffects xmlns="" xmlns:a14="http://schemas.microsoft.com/office/drawing/2010/main">
                 <a:effectLst>
                   <a:outerShdw blurRad="63500" dist="35921" dir="2700000" algn="ctr" rotWithShape="0">
                     <a:schemeClr val="bg2"/>
@@ -17044,14 +17057,14 @@
           <a:effectLst/>
           <a:extLst>
             <a:ext uri="{909E8E84-426E-40dd-AFC4-6F175D3DCCD1}">
-              <a14:hiddenFill xmlns:a14="http://schemas.microsoft.com/office/drawing/2010/main" xmlns="">
+              <a14:hiddenFill xmlns="" xmlns:a14="http://schemas.microsoft.com/office/drawing/2010/main">
                 <a:solidFill>
                   <a:schemeClr val="accent1"/>
                 </a:solidFill>
               </a14:hiddenFill>
             </a:ext>
             <a:ext uri="{AF507438-7753-43e0-B8FC-AC1667EBCBE1}">
-              <a14:hiddenEffects xmlns:a14="http://schemas.microsoft.com/office/drawing/2010/main" xmlns="">
+              <a14:hiddenEffects xmlns="" xmlns:a14="http://schemas.microsoft.com/office/drawing/2010/main">
                 <a:effectLst>
                   <a:outerShdw blurRad="63500" dist="35921" dir="2700000" algn="ctr" rotWithShape="0">
                     <a:schemeClr val="bg2"/>
@@ -18642,14 +18655,14 @@
           <a:effectLst/>
           <a:extLst>
             <a:ext uri="{909E8E84-426E-40dd-AFC4-6F175D3DCCD1}">
-              <a14:hiddenFill xmlns="" xmlns:a14="http://schemas.microsoft.com/office/drawing/2010/main">
+              <a14:hiddenFill xmlns:a14="http://schemas.microsoft.com/office/drawing/2010/main" xmlns="">
                 <a:solidFill>
                   <a:schemeClr val="accent1"/>
                 </a:solidFill>
               </a14:hiddenFill>
             </a:ext>
             <a:ext uri="{AF507438-7753-43e0-B8FC-AC1667EBCBE1}">
-              <a14:hiddenEffects xmlns="" xmlns:a14="http://schemas.microsoft.com/office/drawing/2010/main">
+              <a14:hiddenEffects xmlns:a14="http://schemas.microsoft.com/office/drawing/2010/main" xmlns="">
                 <a:effectLst>
                   <a:outerShdw blurRad="63500" dist="35921" dir="2700000" algn="ctr" rotWithShape="0">
                     <a:schemeClr val="bg2"/>
@@ -18687,14 +18700,14 @@
           <a:effectLst/>
           <a:extLst>
             <a:ext uri="{909E8E84-426E-40dd-AFC4-6F175D3DCCD1}">
-              <a14:hiddenFill xmlns="" xmlns:a14="http://schemas.microsoft.com/office/drawing/2010/main">
+              <a14:hiddenFill xmlns:a14="http://schemas.microsoft.com/office/drawing/2010/main" xmlns="">
                 <a:solidFill>
                   <a:schemeClr val="accent1"/>
                 </a:solidFill>
               </a14:hiddenFill>
             </a:ext>
             <a:ext uri="{AF507438-7753-43e0-B8FC-AC1667EBCBE1}">
-              <a14:hiddenEffects xmlns="" xmlns:a14="http://schemas.microsoft.com/office/drawing/2010/main">
+              <a14:hiddenEffects xmlns:a14="http://schemas.microsoft.com/office/drawing/2010/main" xmlns="">
                 <a:effectLst>
                   <a:outerShdw blurRad="63500" dist="35921" dir="2700000" algn="ctr" rotWithShape="0">
                     <a:schemeClr val="bg2"/>
@@ -18732,14 +18745,14 @@
           <a:effectLst/>
           <a:extLst>
             <a:ext uri="{909E8E84-426E-40dd-AFC4-6F175D3DCCD1}">
-              <a14:hiddenFill xmlns="" xmlns:a14="http://schemas.microsoft.com/office/drawing/2010/main">
+              <a14:hiddenFill xmlns:a14="http://schemas.microsoft.com/office/drawing/2010/main" xmlns="">
                 <a:solidFill>
                   <a:schemeClr val="accent1"/>
                 </a:solidFill>
               </a14:hiddenFill>
             </a:ext>
             <a:ext uri="{AF507438-7753-43e0-B8FC-AC1667EBCBE1}">
-              <a14:hiddenEffects xmlns="" xmlns:a14="http://schemas.microsoft.com/office/drawing/2010/main">
+              <a14:hiddenEffects xmlns:a14="http://schemas.microsoft.com/office/drawing/2010/main" xmlns="">
                 <a:effectLst>
                   <a:outerShdw blurRad="63500" dist="35921" dir="2700000" algn="ctr" rotWithShape="0">
                     <a:schemeClr val="bg2"/>
@@ -21515,14 +21528,14 @@
           <a:noFill/>
           <a:extLst>
             <a:ext uri="{909E8E84-426E-40dd-AFC4-6F175D3DCCD1}">
-              <a14:hiddenFill xmlns="" xmlns:a14="http://schemas.microsoft.com/office/drawing/2010/main">
+              <a14:hiddenFill xmlns:a14="http://schemas.microsoft.com/office/drawing/2010/main" xmlns="">
                 <a:solidFill>
                   <a:srgbClr val="FFFFFF"/>
                 </a:solidFill>
               </a14:hiddenFill>
             </a:ext>
             <a:ext uri="{91240B29-F687-4f45-9708-019B960494DF}">
-              <a14:hiddenLine xmlns="" xmlns:a14="http://schemas.microsoft.com/office/drawing/2010/main" w="9525">
+              <a14:hiddenLine xmlns:a14="http://schemas.microsoft.com/office/drawing/2010/main" xmlns="" w="9525">
                 <a:solidFill>
                   <a:srgbClr val="000000"/>
                 </a:solidFill>
@@ -21675,14 +21688,14 @@
           </a:ln>
           <a:extLst>
             <a:ext uri="{909E8E84-426E-40dd-AFC4-6F175D3DCCD1}">
-              <a14:hiddenFill xmlns="" xmlns:a14="http://schemas.microsoft.com/office/drawing/2010/main">
+              <a14:hiddenFill xmlns:a14="http://schemas.microsoft.com/office/drawing/2010/main" xmlns="">
                 <a:solidFill>
                   <a:srgbClr val="FFFFFF"/>
                 </a:solidFill>
               </a14:hiddenFill>
             </a:ext>
             <a:ext uri="{91240B29-F687-4f45-9708-019B960494DF}">
-              <a14:hiddenLine xmlns="" xmlns:a14="http://schemas.microsoft.com/office/drawing/2010/main" w="9525">
+              <a14:hiddenLine xmlns:a14="http://schemas.microsoft.com/office/drawing/2010/main" xmlns="" w="9525">
                 <a:solidFill>
                   <a:srgbClr val="000000"/>
                 </a:solidFill>
@@ -22756,14 +22769,14 @@
           <a:noFill/>
           <a:extLst>
             <a:ext uri="{909E8E84-426E-40dd-AFC4-6F175D3DCCD1}">
-              <a14:hiddenFill xmlns="" xmlns:a14="http://schemas.microsoft.com/office/drawing/2010/main">
+              <a14:hiddenFill xmlns:a14="http://schemas.microsoft.com/office/drawing/2010/main" xmlns="">
                 <a:solidFill>
                   <a:srgbClr val="FFFFFF"/>
                 </a:solidFill>
               </a14:hiddenFill>
             </a:ext>
             <a:ext uri="{91240B29-F687-4f45-9708-019B960494DF}">
-              <a14:hiddenLine xmlns="" xmlns:a14="http://schemas.microsoft.com/office/drawing/2010/main" w="9525">
+              <a14:hiddenLine xmlns:a14="http://schemas.microsoft.com/office/drawing/2010/main" xmlns="" w="9525">
                 <a:solidFill>
                   <a:srgbClr val="000000"/>
                 </a:solidFill>
@@ -23200,14 +23213,14 @@
           <a:noFill/>
           <a:extLst>
             <a:ext uri="{909E8E84-426E-40dd-AFC4-6F175D3DCCD1}">
-              <a14:hiddenFill xmlns="" xmlns:a14="http://schemas.microsoft.com/office/drawing/2010/main">
+              <a14:hiddenFill xmlns:a14="http://schemas.microsoft.com/office/drawing/2010/main" xmlns="">
                 <a:solidFill>
                   <a:srgbClr val="FFFFFF"/>
                 </a:solidFill>
               </a14:hiddenFill>
             </a:ext>
             <a:ext uri="{91240B29-F687-4f45-9708-019B960494DF}">
-              <a14:hiddenLine xmlns="" xmlns:a14="http://schemas.microsoft.com/office/drawing/2010/main" w="9525">
+              <a14:hiddenLine xmlns:a14="http://schemas.microsoft.com/office/drawing/2010/main" xmlns="" w="9525">
                 <a:solidFill>
                   <a:srgbClr val="000000"/>
                 </a:solidFill>
@@ -23402,14 +23415,14 @@
           </a:ln>
           <a:extLst>
             <a:ext uri="{909E8E84-426E-40dd-AFC4-6F175D3DCCD1}">
-              <a14:hiddenFill xmlns="" xmlns:a14="http://schemas.microsoft.com/office/drawing/2010/main">
+              <a14:hiddenFill xmlns:a14="http://schemas.microsoft.com/office/drawing/2010/main" xmlns="">
                 <a:solidFill>
                   <a:srgbClr val="FFFFFF"/>
                 </a:solidFill>
               </a14:hiddenFill>
             </a:ext>
             <a:ext uri="{91240B29-F687-4f45-9708-019B960494DF}">
-              <a14:hiddenLine xmlns="" xmlns:a14="http://schemas.microsoft.com/office/drawing/2010/main" w="9525">
+              <a14:hiddenLine xmlns:a14="http://schemas.microsoft.com/office/drawing/2010/main" xmlns="" w="9525">
                 <a:solidFill>
                   <a:srgbClr val="000000"/>
                 </a:solidFill>
@@ -24135,14 +24148,14 @@
           <a:noFill/>
           <a:extLst>
             <a:ext uri="{909E8E84-426E-40dd-AFC4-6F175D3DCCD1}">
-              <a14:hiddenFill xmlns="" xmlns:a14="http://schemas.microsoft.com/office/drawing/2010/main">
+              <a14:hiddenFill xmlns:a14="http://schemas.microsoft.com/office/drawing/2010/main" xmlns="">
                 <a:solidFill>
                   <a:srgbClr val="FFFFFF"/>
                 </a:solidFill>
               </a14:hiddenFill>
             </a:ext>
             <a:ext uri="{91240B29-F687-4f45-9708-019B960494DF}">
-              <a14:hiddenLine xmlns="" xmlns:a14="http://schemas.microsoft.com/office/drawing/2010/main" w="9525">
+              <a14:hiddenLine xmlns:a14="http://schemas.microsoft.com/office/drawing/2010/main" xmlns="" w="9525">
                 <a:solidFill>
                   <a:srgbClr val="000000"/>
                 </a:solidFill>
@@ -24295,14 +24308,14 @@
           </a:ln>
           <a:extLst>
             <a:ext uri="{909E8E84-426E-40dd-AFC4-6F175D3DCCD1}">
-              <a14:hiddenFill xmlns="" xmlns:a14="http://schemas.microsoft.com/office/drawing/2010/main">
+              <a14:hiddenFill xmlns:a14="http://schemas.microsoft.com/office/drawing/2010/main" xmlns="">
                 <a:solidFill>
                   <a:srgbClr val="FFFFFF"/>
                 </a:solidFill>
               </a14:hiddenFill>
             </a:ext>
             <a:ext uri="{91240B29-F687-4f45-9708-019B960494DF}">
-              <a14:hiddenLine xmlns="" xmlns:a14="http://schemas.microsoft.com/office/drawing/2010/main" w="9525">
+              <a14:hiddenLine xmlns:a14="http://schemas.microsoft.com/office/drawing/2010/main" xmlns="" w="9525">
                 <a:solidFill>
                   <a:srgbClr val="000000"/>
                 </a:solidFill>
@@ -24482,14 +24495,14 @@
           <a:noFill/>
           <a:extLst>
             <a:ext uri="{909E8E84-426E-40dd-AFC4-6F175D3DCCD1}">
-              <a14:hiddenFill xmlns="" xmlns:a14="http://schemas.microsoft.com/office/drawing/2010/main">
+              <a14:hiddenFill xmlns:a14="http://schemas.microsoft.com/office/drawing/2010/main" xmlns="">
                 <a:solidFill>
                   <a:srgbClr val="FFFFFF"/>
                 </a:solidFill>
               </a14:hiddenFill>
             </a:ext>
             <a:ext uri="{91240B29-F687-4f45-9708-019B960494DF}">
-              <a14:hiddenLine xmlns="" xmlns:a14="http://schemas.microsoft.com/office/drawing/2010/main" w="9525">
+              <a14:hiddenLine xmlns:a14="http://schemas.microsoft.com/office/drawing/2010/main" xmlns="" w="9525">
                 <a:solidFill>
                   <a:srgbClr val="000000"/>
                 </a:solidFill>
@@ -25077,14 +25090,14 @@
           <a:noFill/>
           <a:extLst>
             <a:ext uri="{909E8E84-426E-40dd-AFC4-6F175D3DCCD1}">
-              <a14:hiddenFill xmlns="" xmlns:a14="http://schemas.microsoft.com/office/drawing/2010/main">
+              <a14:hiddenFill xmlns:a14="http://schemas.microsoft.com/office/drawing/2010/main" xmlns="">
                 <a:solidFill>
                   <a:srgbClr val="FFFFFF"/>
                 </a:solidFill>
               </a14:hiddenFill>
             </a:ext>
             <a:ext uri="{91240B29-F687-4f45-9708-019B960494DF}">
-              <a14:hiddenLine xmlns="" xmlns:a14="http://schemas.microsoft.com/office/drawing/2010/main" w="9525">
+              <a14:hiddenLine xmlns:a14="http://schemas.microsoft.com/office/drawing/2010/main" xmlns="" w="9525">
                 <a:solidFill>
                   <a:srgbClr val="000000"/>
                 </a:solidFill>
@@ -25956,14 +25969,14 @@
         <p:spPr>
           <a:extLst>
             <a:ext uri="{909E8E84-426E-40dd-AFC4-6F175D3DCCD1}">
-              <a14:hiddenFill xmlns="" xmlns:a14="http://schemas.microsoft.com/office/drawing/2010/main">
+              <a14:hiddenFill xmlns:a14="http://schemas.microsoft.com/office/drawing/2010/main" xmlns="">
                 <a:solidFill>
                   <a:srgbClr val="FFFFFF"/>
                 </a:solidFill>
               </a14:hiddenFill>
             </a:ext>
             <a:ext uri="{91240B29-F687-4f45-9708-019B960494DF}">
-              <a14:hiddenLine xmlns="" xmlns:a14="http://schemas.microsoft.com/office/drawing/2010/main" w="9525">
+              <a14:hiddenLine xmlns:a14="http://schemas.microsoft.com/office/drawing/2010/main" xmlns="" w="9525">
                 <a:solidFill>
                   <a:srgbClr val="000000"/>
                 </a:solidFill>
@@ -26144,14 +26157,14 @@
           </a:ln>
           <a:extLst>
             <a:ext uri="{909E8E84-426E-40dd-AFC4-6F175D3DCCD1}">
-              <a14:hiddenFill xmlns="" xmlns:a14="http://schemas.microsoft.com/office/drawing/2010/main">
+              <a14:hiddenFill xmlns:a14="http://schemas.microsoft.com/office/drawing/2010/main" xmlns="">
                 <a:solidFill>
                   <a:srgbClr val="FFFFFF"/>
                 </a:solidFill>
               </a14:hiddenFill>
             </a:ext>
             <a:ext uri="{91240B29-F687-4f45-9708-019B960494DF}">
-              <a14:hiddenLine xmlns="" xmlns:a14="http://schemas.microsoft.com/office/drawing/2010/main" w="9525">
+              <a14:hiddenLine xmlns:a14="http://schemas.microsoft.com/office/drawing/2010/main" xmlns="" w="9525">
                 <a:solidFill>
                   <a:srgbClr val="000000"/>
                 </a:solidFill>
@@ -26161,7 +26174,7 @@
               </a14:hiddenLine>
             </a:ext>
             <a:ext uri="{FAA26D3D-D897-4be2-8F04-BA451C77F1D7}">
-              <ma14:placeholderFlag xmlns="" xmlns:ma14="http://schemas.microsoft.com/office/mac/drawingml/2011/main" val="1"/>
+              <ma14:placeholderFlag xmlns:ma14="http://schemas.microsoft.com/office/mac/drawingml/2011/main" xmlns="" val="1"/>
             </a:ext>
           </a:extLst>
         </p:spPr>
@@ -27024,14 +27037,14 @@
           <a:noFill/>
           <a:extLst>
             <a:ext uri="{909E8E84-426E-40dd-AFC4-6F175D3DCCD1}">
-              <a14:hiddenFill xmlns="" xmlns:a14="http://schemas.microsoft.com/office/drawing/2010/main">
+              <a14:hiddenFill xmlns:a14="http://schemas.microsoft.com/office/drawing/2010/main" xmlns="">
                 <a:solidFill>
                   <a:srgbClr val="FFFFFF"/>
                 </a:solidFill>
               </a14:hiddenFill>
             </a:ext>
             <a:ext uri="{91240B29-F687-4f45-9708-019B960494DF}">
-              <a14:hiddenLine xmlns="" xmlns:a14="http://schemas.microsoft.com/office/drawing/2010/main" w="9525">
+              <a14:hiddenLine xmlns:a14="http://schemas.microsoft.com/office/drawing/2010/main" xmlns="" w="9525">
                 <a:solidFill>
                   <a:srgbClr val="000000"/>
                 </a:solidFill>
@@ -27785,14 +27798,14 @@
         <p:spPr>
           <a:extLst>
             <a:ext uri="{909E8E84-426E-40dd-AFC4-6F175D3DCCD1}">
-              <a14:hiddenFill xmlns="" xmlns:a14="http://schemas.microsoft.com/office/drawing/2010/main">
+              <a14:hiddenFill xmlns:a14="http://schemas.microsoft.com/office/drawing/2010/main" xmlns="">
                 <a:solidFill>
                   <a:srgbClr val="FFFFFF"/>
                 </a:solidFill>
               </a14:hiddenFill>
             </a:ext>
             <a:ext uri="{91240B29-F687-4f45-9708-019B960494DF}">
-              <a14:hiddenLine xmlns="" xmlns:a14="http://schemas.microsoft.com/office/drawing/2010/main" w="9525">
+              <a14:hiddenLine xmlns:a14="http://schemas.microsoft.com/office/drawing/2010/main" xmlns="" w="9525">
                 <a:solidFill>
                   <a:srgbClr val="000000"/>
                 </a:solidFill>
@@ -28021,14 +28034,14 @@
         <p:spPr>
           <a:extLst>
             <a:ext uri="{909E8E84-426E-40dd-AFC4-6F175D3DCCD1}">
-              <a14:hiddenFill xmlns:a14="http://schemas.microsoft.com/office/drawing/2010/main" xmlns="">
+              <a14:hiddenFill xmlns="" xmlns:a14="http://schemas.microsoft.com/office/drawing/2010/main">
                 <a:solidFill>
                   <a:srgbClr val="FFFFFF"/>
                 </a:solidFill>
               </a14:hiddenFill>
             </a:ext>
             <a:ext uri="{91240B29-F687-4f45-9708-019B960494DF}">
-              <a14:hiddenLine xmlns:a14="http://schemas.microsoft.com/office/drawing/2010/main" xmlns="" w="9525">
+              <a14:hiddenLine xmlns="" xmlns:a14="http://schemas.microsoft.com/office/drawing/2010/main" w="9525">
                 <a:solidFill>
                   <a:srgbClr val="000000"/>
                 </a:solidFill>
@@ -28209,14 +28222,14 @@
           </a:ln>
           <a:extLst>
             <a:ext uri="{909E8E84-426E-40dd-AFC4-6F175D3DCCD1}">
-              <a14:hiddenFill xmlns:a14="http://schemas.microsoft.com/office/drawing/2010/main" xmlns="">
+              <a14:hiddenFill xmlns="" xmlns:a14="http://schemas.microsoft.com/office/drawing/2010/main">
                 <a:solidFill>
                   <a:srgbClr val="FFFFFF"/>
                 </a:solidFill>
               </a14:hiddenFill>
             </a:ext>
             <a:ext uri="{91240B29-F687-4f45-9708-019B960494DF}">
-              <a14:hiddenLine xmlns:a14="http://schemas.microsoft.com/office/drawing/2010/main" xmlns="" w="9525">
+              <a14:hiddenLine xmlns="" xmlns:a14="http://schemas.microsoft.com/office/drawing/2010/main" w="9525">
                 <a:solidFill>
                   <a:srgbClr val="000000"/>
                 </a:solidFill>
@@ -28226,7 +28239,7 @@
               </a14:hiddenLine>
             </a:ext>
             <a:ext uri="{FAA26D3D-D897-4be2-8F04-BA451C77F1D7}">
-              <ma14:placeholderFlag xmlns:ma14="http://schemas.microsoft.com/office/mac/drawingml/2011/main" xmlns="" val="1"/>
+              <ma14:placeholderFlag xmlns="" xmlns:ma14="http://schemas.microsoft.com/office/mac/drawingml/2011/main" val="1"/>
             </a:ext>
           </a:extLst>
         </p:spPr>
@@ -28927,14 +28940,14 @@
         <p:spPr>
           <a:extLst>
             <a:ext uri="{909E8E84-426E-40dd-AFC4-6F175D3DCCD1}">
-              <a14:hiddenFill xmlns="" xmlns:a14="http://schemas.microsoft.com/office/drawing/2010/main">
+              <a14:hiddenFill xmlns:a14="http://schemas.microsoft.com/office/drawing/2010/main" xmlns="">
                 <a:solidFill>
                   <a:srgbClr val="FFFFFF"/>
                 </a:solidFill>
               </a14:hiddenFill>
             </a:ext>
             <a:ext uri="{91240B29-F687-4f45-9708-019B960494DF}">
-              <a14:hiddenLine xmlns="" xmlns:a14="http://schemas.microsoft.com/office/drawing/2010/main" w="9525">
+              <a14:hiddenLine xmlns:a14="http://schemas.microsoft.com/office/drawing/2010/main" xmlns="" w="9525">
                 <a:solidFill>
                   <a:srgbClr val="000000"/>
                 </a:solidFill>
@@ -29115,14 +29128,14 @@
           </a:ln>
           <a:extLst>
             <a:ext uri="{909E8E84-426E-40dd-AFC4-6F175D3DCCD1}">
-              <a14:hiddenFill xmlns="" xmlns:a14="http://schemas.microsoft.com/office/drawing/2010/main">
+              <a14:hiddenFill xmlns:a14="http://schemas.microsoft.com/office/drawing/2010/main" xmlns="">
                 <a:solidFill>
                   <a:srgbClr val="FFFFFF"/>
                 </a:solidFill>
               </a14:hiddenFill>
             </a:ext>
             <a:ext uri="{91240B29-F687-4f45-9708-019B960494DF}">
-              <a14:hiddenLine xmlns="" xmlns:a14="http://schemas.microsoft.com/office/drawing/2010/main" w="9525">
+              <a14:hiddenLine xmlns:a14="http://schemas.microsoft.com/office/drawing/2010/main" xmlns="" w="9525">
                 <a:solidFill>
                   <a:srgbClr val="000000"/>
                 </a:solidFill>
@@ -29132,7 +29145,7 @@
               </a14:hiddenLine>
             </a:ext>
             <a:ext uri="{FAA26D3D-D897-4be2-8F04-BA451C77F1D7}">
-              <ma14:placeholderFlag xmlns="" xmlns:ma14="http://schemas.microsoft.com/office/mac/drawingml/2011/main" val="1"/>
+              <ma14:placeholderFlag xmlns:ma14="http://schemas.microsoft.com/office/mac/drawingml/2011/main" xmlns="" val="1"/>
             </a:ext>
           </a:extLst>
         </p:spPr>
@@ -29935,14 +29948,14 @@
         <p:spPr>
           <a:extLst>
             <a:ext uri="{909E8E84-426E-40dd-AFC4-6F175D3DCCD1}">
-              <a14:hiddenFill xmlns:a14="http://schemas.microsoft.com/office/drawing/2010/main" xmlns="">
+              <a14:hiddenFill xmlns="" xmlns:a14="http://schemas.microsoft.com/office/drawing/2010/main">
                 <a:solidFill>
                   <a:srgbClr val="FFFFFF"/>
                 </a:solidFill>
               </a14:hiddenFill>
             </a:ext>
             <a:ext uri="{91240B29-F687-4f45-9708-019B960494DF}">
-              <a14:hiddenLine xmlns:a14="http://schemas.microsoft.com/office/drawing/2010/main" xmlns="" w="9525">
+              <a14:hiddenLine xmlns="" xmlns:a14="http://schemas.microsoft.com/office/drawing/2010/main" w="9525">
                 <a:solidFill>
                   <a:srgbClr val="000000"/>
                 </a:solidFill>
@@ -30579,14 +30592,14 @@
         <p:spPr>
           <a:extLst>
             <a:ext uri="{909E8E84-426E-40dd-AFC4-6F175D3DCCD1}">
-              <a14:hiddenFill xmlns="" xmlns:a14="http://schemas.microsoft.com/office/drawing/2010/main">
+              <a14:hiddenFill xmlns:a14="http://schemas.microsoft.com/office/drawing/2010/main" xmlns="">
                 <a:solidFill>
                   <a:srgbClr val="FFFFFF"/>
                 </a:solidFill>
               </a14:hiddenFill>
             </a:ext>
             <a:ext uri="{91240B29-F687-4f45-9708-019B960494DF}">
-              <a14:hiddenLine xmlns="" xmlns:a14="http://schemas.microsoft.com/office/drawing/2010/main" w="9525">
+              <a14:hiddenLine xmlns:a14="http://schemas.microsoft.com/office/drawing/2010/main" xmlns="" w="9525">
                 <a:solidFill>
                   <a:srgbClr val="000000"/>
                 </a:solidFill>
@@ -31505,14 +31518,14 @@
         <p:spPr>
           <a:extLst>
             <a:ext uri="{909E8E84-426E-40dd-AFC4-6F175D3DCCD1}">
-              <a14:hiddenFill xmlns:a14="http://schemas.microsoft.com/office/drawing/2010/main" xmlns="">
+              <a14:hiddenFill xmlns="" xmlns:a14="http://schemas.microsoft.com/office/drawing/2010/main">
                 <a:solidFill>
                   <a:srgbClr val="FFFFFF"/>
                 </a:solidFill>
               </a14:hiddenFill>
             </a:ext>
             <a:ext uri="{91240B29-F687-4f45-9708-019B960494DF}">
-              <a14:hiddenLine xmlns:a14="http://schemas.microsoft.com/office/drawing/2010/main" xmlns="" w="9525">
+              <a14:hiddenLine xmlns="" xmlns:a14="http://schemas.microsoft.com/office/drawing/2010/main" w="9525">
                 <a:solidFill>
                   <a:srgbClr val="000000"/>
                 </a:solidFill>
@@ -32426,14 +32439,14 @@
         <p:spPr>
           <a:extLst>
             <a:ext uri="{909E8E84-426E-40dd-AFC4-6F175D3DCCD1}">
-              <a14:hiddenFill xmlns="" xmlns:a14="http://schemas.microsoft.com/office/drawing/2010/main">
+              <a14:hiddenFill xmlns:a14="http://schemas.microsoft.com/office/drawing/2010/main" xmlns="">
                 <a:solidFill>
                   <a:srgbClr val="FFFFFF"/>
                 </a:solidFill>
               </a14:hiddenFill>
             </a:ext>
             <a:ext uri="{91240B29-F687-4f45-9708-019B960494DF}">
-              <a14:hiddenLine xmlns="" xmlns:a14="http://schemas.microsoft.com/office/drawing/2010/main" w="9525">
+              <a14:hiddenLine xmlns:a14="http://schemas.microsoft.com/office/drawing/2010/main" xmlns="" w="9525">
                 <a:solidFill>
                   <a:srgbClr val="000000"/>
                 </a:solidFill>

--- a/topic04-functions-and-lambda-calculus/unit-04a-lectures/talk-1/a-functions.pptx
+++ b/topic04-functions-and-lambda-calculus/unit-04a-lectures/talk-1/a-functions.pptx
@@ -548,14 +548,14 @@
           </a:ln>
           <a:extLst>
             <a:ext uri="{909E8E84-426E-40dd-AFC4-6F175D3DCCD1}">
-              <a14:hiddenFill xmlns:a14="http://schemas.microsoft.com/office/drawing/2010/main" xmlns="">
+              <a14:hiddenFill xmlns="" xmlns:a14="http://schemas.microsoft.com/office/drawing/2010/main">
                 <a:solidFill>
                   <a:srgbClr val="FFFFFF"/>
                 </a:solidFill>
               </a14:hiddenFill>
             </a:ext>
             <a:ext uri="{FAA26D3D-D897-4be2-8F04-BA451C77F1D7}">
-              <ma14:placeholderFlag xmlns:ma14="http://schemas.microsoft.com/office/mac/drawingml/2011/main" xmlns="" val="1"/>
+              <ma14:placeholderFlag xmlns="" xmlns:ma14="http://schemas.microsoft.com/office/mac/drawingml/2011/main" val="1"/>
             </a:ext>
           </a:extLst>
         </p:spPr>
@@ -889,14 +889,14 @@
           <a:noFill/>
           <a:extLst>
             <a:ext uri="{909E8E84-426E-40dd-AFC4-6F175D3DCCD1}">
-              <a14:hiddenFill xmlns:a14="http://schemas.microsoft.com/office/drawing/2010/main" xmlns="">
+              <a14:hiddenFill xmlns="" xmlns:a14="http://schemas.microsoft.com/office/drawing/2010/main">
                 <a:solidFill>
                   <a:srgbClr val="FFFFFF"/>
                 </a:solidFill>
               </a14:hiddenFill>
             </a:ext>
             <a:ext uri="{91240B29-F687-4f45-9708-019B960494DF}">
-              <a14:hiddenLine xmlns:a14="http://schemas.microsoft.com/office/drawing/2010/main" xmlns="" w="9525">
+              <a14:hiddenLine xmlns="" xmlns:a14="http://schemas.microsoft.com/office/drawing/2010/main" w="9525">
                 <a:solidFill>
                   <a:srgbClr val="000000"/>
                 </a:solidFill>
@@ -1104,14 +1104,14 @@
           <a:noFill/>
           <a:extLst>
             <a:ext uri="{909E8E84-426E-40dd-AFC4-6F175D3DCCD1}">
-              <a14:hiddenFill xmlns:a14="http://schemas.microsoft.com/office/drawing/2010/main" xmlns="">
+              <a14:hiddenFill xmlns="" xmlns:a14="http://schemas.microsoft.com/office/drawing/2010/main">
                 <a:solidFill>
                   <a:srgbClr val="FFFFFF"/>
                 </a:solidFill>
               </a14:hiddenFill>
             </a:ext>
             <a:ext uri="{91240B29-F687-4f45-9708-019B960494DF}">
-              <a14:hiddenLine xmlns:a14="http://schemas.microsoft.com/office/drawing/2010/main" xmlns="" w="9525">
+              <a14:hiddenLine xmlns="" xmlns:a14="http://schemas.microsoft.com/office/drawing/2010/main" w="9525">
                 <a:solidFill>
                   <a:srgbClr val="000000"/>
                 </a:solidFill>
@@ -9089,14 +9089,14 @@
           <a:noFill/>
           <a:extLst>
             <a:ext uri="{909E8E84-426E-40dd-AFC4-6F175D3DCCD1}">
-              <a14:hiddenFill xmlns:a14="http://schemas.microsoft.com/office/drawing/2010/main" xmlns="">
+              <a14:hiddenFill xmlns="" xmlns:a14="http://schemas.microsoft.com/office/drawing/2010/main">
                 <a:solidFill>
                   <a:srgbClr val="FFFFFF"/>
                 </a:solidFill>
               </a14:hiddenFill>
             </a:ext>
             <a:ext uri="{91240B29-F687-4f45-9708-019B960494DF}">
-              <a14:hiddenLine xmlns:a14="http://schemas.microsoft.com/office/drawing/2010/main" xmlns="" w="9525">
+              <a14:hiddenLine xmlns="" xmlns:a14="http://schemas.microsoft.com/office/drawing/2010/main" w="9525">
                 <a:solidFill>
                   <a:srgbClr val="000000"/>
                 </a:solidFill>
@@ -9350,14 +9350,14 @@
           </a:ln>
           <a:extLst>
             <a:ext uri="{909E8E84-426E-40dd-AFC4-6F175D3DCCD1}">
-              <a14:hiddenFill xmlns:a14="http://schemas.microsoft.com/office/drawing/2010/main" xmlns="">
+              <a14:hiddenFill xmlns="" xmlns:a14="http://schemas.microsoft.com/office/drawing/2010/main">
                 <a:solidFill>
                   <a:srgbClr val="FFFFFF"/>
                 </a:solidFill>
               </a14:hiddenFill>
             </a:ext>
             <a:ext uri="{91240B29-F687-4f45-9708-019B960494DF}">
-              <a14:hiddenLine xmlns:a14="http://schemas.microsoft.com/office/drawing/2010/main" xmlns="" w="9525">
+              <a14:hiddenLine xmlns="" xmlns:a14="http://schemas.microsoft.com/office/drawing/2010/main" w="9525">
                 <a:solidFill>
                   <a:srgbClr val="000000"/>
                 </a:solidFill>
@@ -9419,9 +9419,8 @@
           </a:bodyPr>
           <a:lstStyle/>
           <a:p>
-            <a:pPr algn="ctr"/>
-            <a:r>
-              <a:rPr kumimoji="1" lang="en-US" dirty="0">
+            <a:r>
+              <a:rPr kumimoji="1" lang="en-US" sz="3200" b="1" dirty="0">
                 <a:latin typeface="+mj-lt"/>
                 <a:ea typeface="+mj-ea"/>
                 <a:cs typeface="ＭＳ Ｐゴシック" pitchFamily="-1" charset="-128"/>
@@ -9444,14 +9443,14 @@
         <p:spPr>
           <a:extLst>
             <a:ext uri="{909E8E84-426E-40dd-AFC4-6F175D3DCCD1}">
-              <a14:hiddenFill xmlns="" xmlns:a14="http://schemas.microsoft.com/office/drawing/2010/main">
+              <a14:hiddenFill xmlns:a14="http://schemas.microsoft.com/office/drawing/2010/main" xmlns="">
                 <a:solidFill>
                   <a:srgbClr val="FFFFFF"/>
                 </a:solidFill>
               </a14:hiddenFill>
             </a:ext>
             <a:ext uri="{91240B29-F687-4f45-9708-019B960494DF}">
-              <a14:hiddenLine xmlns="" xmlns:a14="http://schemas.microsoft.com/office/drawing/2010/main" w="9525">
+              <a14:hiddenLine xmlns:a14="http://schemas.microsoft.com/office/drawing/2010/main" xmlns="" w="9525">
                 <a:solidFill>
                   <a:srgbClr val="000000"/>
                 </a:solidFill>
@@ -10342,12 +10341,13 @@
         </p:nvSpPr>
         <p:spPr/>
         <p:txBody>
-          <a:bodyPr/>
+          <a:bodyPr>
+            <a:normAutofit/>
+          </a:bodyPr>
           <a:lstStyle/>
           <a:p>
             <a:r>
-              <a:rPr lang="en-US" dirty="0">
-                <a:latin typeface="Arial Black" charset="0"/>
+              <a:rPr lang="en-US" sz="3200" b="1" dirty="0">
                 <a:ea typeface="ＭＳ Ｐゴシック" charset="0"/>
                 <a:cs typeface="ＭＳ Ｐゴシック" charset="0"/>
               </a:rPr>
@@ -10370,14 +10370,14 @@
           <a:noFill/>
           <a:extLst>
             <a:ext uri="{909E8E84-426E-40dd-AFC4-6F175D3DCCD1}">
-              <a14:hiddenFill xmlns="" xmlns:a14="http://schemas.microsoft.com/office/drawing/2010/main">
+              <a14:hiddenFill xmlns:a14="http://schemas.microsoft.com/office/drawing/2010/main" xmlns="">
                 <a:solidFill>
                   <a:srgbClr val="FFFFFF"/>
                 </a:solidFill>
               </a14:hiddenFill>
             </a:ext>
             <a:ext uri="{91240B29-F687-4f45-9708-019B960494DF}">
-              <a14:hiddenLine xmlns="" xmlns:a14="http://schemas.microsoft.com/office/drawing/2010/main" w="9525">
+              <a14:hiddenLine xmlns:a14="http://schemas.microsoft.com/office/drawing/2010/main" xmlns="" w="9525">
                 <a:solidFill>
                   <a:srgbClr val="000000"/>
                 </a:solidFill>
@@ -11102,14 +11102,14 @@
           <a:noFill/>
           <a:extLst>
             <a:ext uri="{909E8E84-426E-40dd-AFC4-6F175D3DCCD1}">
-              <a14:hiddenFill xmlns:a14="http://schemas.microsoft.com/office/drawing/2010/main" xmlns="">
+              <a14:hiddenFill xmlns="" xmlns:a14="http://schemas.microsoft.com/office/drawing/2010/main">
                 <a:solidFill>
                   <a:srgbClr val="FFFFFF"/>
                 </a:solidFill>
               </a14:hiddenFill>
             </a:ext>
             <a:ext uri="{91240B29-F687-4f45-9708-019B960494DF}">
-              <a14:hiddenLine xmlns:a14="http://schemas.microsoft.com/office/drawing/2010/main" xmlns="" w="9525">
+              <a14:hiddenLine xmlns="" xmlns:a14="http://schemas.microsoft.com/office/drawing/2010/main" w="9525">
                 <a:solidFill>
                   <a:srgbClr val="000000"/>
                 </a:solidFill>
@@ -11250,8 +11250,8 @@
         </p:nvSpPr>
         <p:spPr bwMode="auto">
           <a:xfrm>
-            <a:off x="491598" y="1037012"/>
-            <a:ext cx="7988300" cy="523220"/>
+            <a:off x="58792" y="1006235"/>
+            <a:ext cx="7988300" cy="584775"/>
           </a:xfrm>
           <a:prstGeom prst="rect">
             <a:avLst/>
@@ -11272,8 +11272,8 @@
               <a:defRPr/>
             </a:pPr>
             <a:r>
-              <a:rPr lang="en-US" sz="2800" b="1" dirty="0">
-                <a:latin typeface="Arial" panose="020B0604020202020204" pitchFamily="34" charset="0"/>
+              <a:rPr lang="en-US" sz="3200" b="1" dirty="0">
+                <a:latin typeface="+mj-lt"/>
                 <a:cs typeface="Arial" panose="020B0604020202020204" pitchFamily="34" charset="0"/>
               </a:rPr>
               <a:t>Conditional expressions can be nested:</a:t>
@@ -11644,14 +11644,20 @@
             <p:ph type="title"/>
           </p:nvPr>
         </p:nvSpPr>
-        <p:spPr/>
+        <p:spPr>
+          <a:xfrm>
+            <a:off x="55190" y="763079"/>
+            <a:ext cx="7210396" cy="1080938"/>
+          </a:xfrm>
+        </p:spPr>
         <p:txBody>
-          <a:bodyPr/>
+          <a:bodyPr>
+            <a:normAutofit/>
+          </a:bodyPr>
           <a:lstStyle/>
           <a:p>
             <a:r>
-              <a:rPr lang="en-US">
-                <a:latin typeface="Arial Black" charset="0"/>
+              <a:rPr lang="en-US" sz="3200" b="1" dirty="0">
                 <a:ea typeface="ＭＳ Ｐゴシック" charset="0"/>
                 <a:cs typeface="ＭＳ Ｐゴシック" charset="0"/>
               </a:rPr>
@@ -11674,14 +11680,14 @@
           <a:noFill/>
           <a:extLst>
             <a:ext uri="{909E8E84-426E-40dd-AFC4-6F175D3DCCD1}">
-              <a14:hiddenFill xmlns:a14="http://schemas.microsoft.com/office/drawing/2010/main" xmlns="">
+              <a14:hiddenFill xmlns="" xmlns:a14="http://schemas.microsoft.com/office/drawing/2010/main">
                 <a:solidFill>
                   <a:srgbClr val="FFFFFF"/>
                 </a:solidFill>
               </a14:hiddenFill>
             </a:ext>
             <a:ext uri="{91240B29-F687-4f45-9708-019B960494DF}">
-              <a14:hiddenLine xmlns:a14="http://schemas.microsoft.com/office/drawing/2010/main" xmlns="" w="9525">
+              <a14:hiddenLine xmlns="" xmlns:a14="http://schemas.microsoft.com/office/drawing/2010/main" w="9525">
                 <a:solidFill>
                   <a:srgbClr val="000000"/>
                 </a:solidFill>
@@ -12166,14 +12172,14 @@
           <a:noFill/>
           <a:extLst>
             <a:ext uri="{909E8E84-426E-40dd-AFC4-6F175D3DCCD1}">
-              <a14:hiddenFill xmlns:a14="http://schemas.microsoft.com/office/drawing/2010/main" xmlns="">
+              <a14:hiddenFill xmlns="" xmlns:a14="http://schemas.microsoft.com/office/drawing/2010/main">
                 <a:solidFill>
                   <a:srgbClr val="FFFFFF"/>
                 </a:solidFill>
               </a14:hiddenFill>
             </a:ext>
             <a:ext uri="{91240B29-F687-4f45-9708-019B960494DF}">
-              <a14:hiddenLine xmlns:a14="http://schemas.microsoft.com/office/drawing/2010/main" xmlns="" w="9525">
+              <a14:hiddenLine xmlns="" xmlns:a14="http://schemas.microsoft.com/office/drawing/2010/main" w="9525">
                 <a:solidFill>
                   <a:srgbClr val="000000"/>
                 </a:solidFill>
@@ -12368,14 +12374,14 @@
           </a:ln>
           <a:extLst>
             <a:ext uri="{909E8E84-426E-40dd-AFC4-6F175D3DCCD1}">
-              <a14:hiddenFill xmlns:a14="http://schemas.microsoft.com/office/drawing/2010/main" xmlns="">
+              <a14:hiddenFill xmlns="" xmlns:a14="http://schemas.microsoft.com/office/drawing/2010/main">
                 <a:solidFill>
                   <a:srgbClr val="FFFFFF"/>
                 </a:solidFill>
               </a14:hiddenFill>
             </a:ext>
             <a:ext uri="{91240B29-F687-4f45-9708-019B960494DF}">
-              <a14:hiddenLine xmlns:a14="http://schemas.microsoft.com/office/drawing/2010/main" xmlns="" w="9525">
+              <a14:hiddenLine xmlns="" xmlns:a14="http://schemas.microsoft.com/office/drawing/2010/main" w="9525">
                 <a:solidFill>
                   <a:srgbClr val="000000"/>
                 </a:solidFill>
@@ -12579,7 +12585,7 @@
         </p:nvSpPr>
         <p:spPr bwMode="auto">
           <a:xfrm>
-            <a:off x="301308" y="1043776"/>
+            <a:off x="0" y="1000482"/>
             <a:ext cx="8272462" cy="523220"/>
           </a:xfrm>
           <a:prstGeom prst="rect">
@@ -12602,11 +12608,15 @@
             </a:pPr>
             <a:r>
               <a:rPr lang="en-US" sz="2800" b="1" dirty="0">
-                <a:latin typeface="Arial" panose="020B0604020202020204" pitchFamily="34" charset="0"/>
-                <a:cs typeface="Arial" panose="020B0604020202020204" pitchFamily="34" charset="0"/>
+                <a:ea typeface="ＭＳ Ｐゴシック" charset="0"/>
+                <a:cs typeface="ＭＳ Ｐゴシック" charset="0"/>
               </a:rPr>
-              <a:t>Guarded equations</a:t>
-            </a:r>
+              <a:t>Guarded Equations</a:t>
+            </a:r>
+            <a:endParaRPr lang="en-US" sz="2800" b="1" dirty="0">
+              <a:latin typeface="Arial" panose="020B0604020202020204" pitchFamily="34" charset="0"/>
+              <a:cs typeface="Arial" panose="020B0604020202020204" pitchFamily="34" charset="0"/>
+            </a:endParaRPr>
           </a:p>
         </p:txBody>
       </p:sp>
@@ -12769,14 +12779,20 @@
             <p:ph type="title"/>
           </p:nvPr>
         </p:nvSpPr>
-        <p:spPr/>
+        <p:spPr>
+          <a:xfrm>
+            <a:off x="99424" y="753228"/>
+            <a:ext cx="7210396" cy="1080938"/>
+          </a:xfrm>
+        </p:spPr>
         <p:txBody>
-          <a:bodyPr/>
+          <a:bodyPr>
+            <a:normAutofit/>
+          </a:bodyPr>
           <a:lstStyle/>
           <a:p>
             <a:r>
-              <a:rPr lang="en-US" dirty="0">
-                <a:latin typeface="Arial Black" charset="0"/>
+              <a:rPr lang="en-US" sz="3200" b="1" dirty="0">
                 <a:ea typeface="ＭＳ Ｐゴシック" charset="0"/>
                 <a:cs typeface="ＭＳ Ｐゴシック" charset="0"/>
               </a:rPr>
@@ -12799,14 +12815,14 @@
           <a:noFill/>
           <a:extLst>
             <a:ext uri="{909E8E84-426E-40dd-AFC4-6F175D3DCCD1}">
-              <a14:hiddenFill xmlns="" xmlns:a14="http://schemas.microsoft.com/office/drawing/2010/main">
+              <a14:hiddenFill xmlns:a14="http://schemas.microsoft.com/office/drawing/2010/main" xmlns="">
                 <a:solidFill>
                   <a:srgbClr val="FFFFFF"/>
                 </a:solidFill>
               </a14:hiddenFill>
             </a:ext>
             <a:ext uri="{91240B29-F687-4f45-9708-019B960494DF}">
-              <a14:hiddenLine xmlns="" xmlns:a14="http://schemas.microsoft.com/office/drawing/2010/main" w="9525">
+              <a14:hiddenLine xmlns:a14="http://schemas.microsoft.com/office/drawing/2010/main" xmlns="" w="9525">
                 <a:solidFill>
                   <a:srgbClr val="000000"/>
                 </a:solidFill>
@@ -13266,14 +13282,20 @@
             <p:ph type="title"/>
           </p:nvPr>
         </p:nvSpPr>
-        <p:spPr/>
+        <p:spPr>
+          <a:xfrm>
+            <a:off x="231295" y="753228"/>
+            <a:ext cx="7210396" cy="1080938"/>
+          </a:xfrm>
+        </p:spPr>
         <p:txBody>
-          <a:bodyPr/>
+          <a:bodyPr>
+            <a:normAutofit/>
+          </a:bodyPr>
           <a:lstStyle/>
           <a:p>
             <a:r>
-              <a:rPr lang="en-US" dirty="0">
-                <a:latin typeface="Arial Black" charset="0"/>
+              <a:rPr lang="en-US" sz="3200" b="1" dirty="0">
                 <a:ea typeface="ＭＳ Ｐゴシック" charset="0"/>
                 <a:cs typeface="ＭＳ Ｐゴシック" charset="0"/>
               </a:rPr>
@@ -13296,14 +13318,14 @@
           <a:noFill/>
           <a:extLst>
             <a:ext uri="{909E8E84-426E-40dd-AFC4-6F175D3DCCD1}">
-              <a14:hiddenFill xmlns:a14="http://schemas.microsoft.com/office/drawing/2010/main" xmlns="">
+              <a14:hiddenFill xmlns="" xmlns:a14="http://schemas.microsoft.com/office/drawing/2010/main">
                 <a:solidFill>
                   <a:srgbClr val="FFFFFF"/>
                 </a:solidFill>
               </a14:hiddenFill>
             </a:ext>
             <a:ext uri="{91240B29-F687-4f45-9708-019B960494DF}">
-              <a14:hiddenLine xmlns:a14="http://schemas.microsoft.com/office/drawing/2010/main" xmlns="" w="9525">
+              <a14:hiddenLine xmlns="" xmlns:a14="http://schemas.microsoft.com/office/drawing/2010/main" w="9525">
                 <a:solidFill>
                   <a:srgbClr val="000000"/>
                 </a:solidFill>
@@ -13824,18 +13846,22 @@
             <p:ph type="title"/>
           </p:nvPr>
         </p:nvSpPr>
-        <p:spPr/>
+        <p:spPr>
+          <a:xfrm>
+            <a:off x="99423" y="763079"/>
+            <a:ext cx="7210396" cy="1080938"/>
+          </a:xfrm>
+        </p:spPr>
         <p:txBody>
           <a:bodyPr/>
           <a:lstStyle/>
           <a:p>
             <a:r>
-              <a:rPr lang="en-US" kern="0" dirty="0">
-                <a:latin typeface="Arial Black" charset="0"/>
+              <a:rPr lang="en-US" sz="2800" b="1" dirty="0">
                 <a:ea typeface="ＭＳ Ｐゴシック" charset="0"/>
                 <a:cs typeface="ＭＳ Ｐゴシック" charset="0"/>
               </a:rPr>
-              <a:t>Pattern Matching</a:t>
+              <a:t> Pattern Matching</a:t>
             </a:r>
             <a:br>
               <a:rPr lang="en-US" kern="0" dirty="0">
@@ -13862,14 +13888,14 @@
           <a:noFill/>
           <a:extLst>
             <a:ext uri="{909E8E84-426E-40dd-AFC4-6F175D3DCCD1}">
-              <a14:hiddenFill xmlns:a14="http://schemas.microsoft.com/office/drawing/2010/main" xmlns="">
+              <a14:hiddenFill xmlns="" xmlns:a14="http://schemas.microsoft.com/office/drawing/2010/main">
                 <a:solidFill>
                   <a:srgbClr val="FFFFFF"/>
                 </a:solidFill>
               </a14:hiddenFill>
             </a:ext>
             <a:ext uri="{91240B29-F687-4f45-9708-019B960494DF}">
-              <a14:hiddenLine xmlns:a14="http://schemas.microsoft.com/office/drawing/2010/main" xmlns="" w="9525">
+              <a14:hiddenLine xmlns="" xmlns:a14="http://schemas.microsoft.com/office/drawing/2010/main" w="9525">
                 <a:solidFill>
                   <a:srgbClr val="000000"/>
                 </a:solidFill>
@@ -14810,14 +14836,18 @@
             <p:ph type="title"/>
           </p:nvPr>
         </p:nvSpPr>
-        <p:spPr/>
+        <p:spPr>
+          <a:xfrm>
+            <a:off x="231295" y="763079"/>
+            <a:ext cx="7210396" cy="1080938"/>
+          </a:xfrm>
+        </p:spPr>
         <p:txBody>
           <a:bodyPr/>
           <a:lstStyle/>
           <a:p>
             <a:r>
-              <a:rPr lang="en-US" kern="0" dirty="0">
-                <a:latin typeface="Arial Black" charset="0"/>
+              <a:rPr lang="en-US" sz="2800" b="1" dirty="0">
                 <a:ea typeface="ＭＳ Ｐゴシック" charset="0"/>
                 <a:cs typeface="ＭＳ Ｐゴシック" charset="0"/>
               </a:rPr>
@@ -14848,14 +14878,14 @@
           <a:noFill/>
           <a:extLst>
             <a:ext uri="{909E8E84-426E-40dd-AFC4-6F175D3DCCD1}">
-              <a14:hiddenFill xmlns:a14="http://schemas.microsoft.com/office/drawing/2010/main" xmlns="">
+              <a14:hiddenFill xmlns="" xmlns:a14="http://schemas.microsoft.com/office/drawing/2010/main">
                 <a:solidFill>
                   <a:srgbClr val="FFFFFF"/>
                 </a:solidFill>
               </a14:hiddenFill>
             </a:ext>
             <a:ext uri="{91240B29-F687-4f45-9708-019B960494DF}">
-              <a14:hiddenLine xmlns:a14="http://schemas.microsoft.com/office/drawing/2010/main" xmlns="" w="9525">
+              <a14:hiddenLine xmlns="" xmlns:a14="http://schemas.microsoft.com/office/drawing/2010/main" w="9525">
                 <a:solidFill>
                   <a:srgbClr val="000000"/>
                 </a:solidFill>
@@ -15594,14 +15624,14 @@
           <a:noFill/>
           <a:extLst>
             <a:ext uri="{909E8E84-426E-40dd-AFC4-6F175D3DCCD1}">
-              <a14:hiddenFill xmlns:a14="http://schemas.microsoft.com/office/drawing/2010/main" xmlns="">
+              <a14:hiddenFill xmlns="" xmlns:a14="http://schemas.microsoft.com/office/drawing/2010/main">
                 <a:solidFill>
                   <a:srgbClr val="FFFFFF"/>
                 </a:solidFill>
               </a14:hiddenFill>
             </a:ext>
             <a:ext uri="{91240B29-F687-4f45-9708-019B960494DF}">
-              <a14:hiddenLine xmlns:a14="http://schemas.microsoft.com/office/drawing/2010/main" xmlns="" w="9525">
+              <a14:hiddenLine xmlns="" xmlns:a14="http://schemas.microsoft.com/office/drawing/2010/main" w="9525">
                 <a:solidFill>
                   <a:srgbClr val="000000"/>
                 </a:solidFill>
@@ -15754,14 +15784,14 @@
           </a:ln>
           <a:extLst>
             <a:ext uri="{909E8E84-426E-40dd-AFC4-6F175D3DCCD1}">
-              <a14:hiddenFill xmlns:a14="http://schemas.microsoft.com/office/drawing/2010/main" xmlns="">
+              <a14:hiddenFill xmlns="" xmlns:a14="http://schemas.microsoft.com/office/drawing/2010/main">
                 <a:solidFill>
                   <a:srgbClr val="FFFFFF"/>
                 </a:solidFill>
               </a14:hiddenFill>
             </a:ext>
             <a:ext uri="{91240B29-F687-4f45-9708-019B960494DF}">
-              <a14:hiddenLine xmlns:a14="http://schemas.microsoft.com/office/drawing/2010/main" xmlns="" w="9525">
+              <a14:hiddenLine xmlns="" xmlns:a14="http://schemas.microsoft.com/office/drawing/2010/main" w="9525">
                 <a:solidFill>
                   <a:srgbClr val="000000"/>
                 </a:solidFill>
@@ -15899,14 +15929,14 @@
           </a:ln>
           <a:extLst>
             <a:ext uri="{909E8E84-426E-40dd-AFC4-6F175D3DCCD1}">
-              <a14:hiddenFill xmlns:a14="http://schemas.microsoft.com/office/drawing/2010/main" xmlns="">
+              <a14:hiddenFill xmlns="" xmlns:a14="http://schemas.microsoft.com/office/drawing/2010/main">
                 <a:solidFill>
                   <a:srgbClr val="FFFFFF"/>
                 </a:solidFill>
               </a14:hiddenFill>
             </a:ext>
             <a:ext uri="{91240B29-F687-4f45-9708-019B960494DF}">
-              <a14:hiddenLine xmlns:a14="http://schemas.microsoft.com/office/drawing/2010/main" xmlns="" w="9525">
+              <a14:hiddenLine xmlns="" xmlns:a14="http://schemas.microsoft.com/office/drawing/2010/main" w="9525">
                 <a:solidFill>
                   <a:srgbClr val="000000"/>
                 </a:solidFill>
@@ -16038,7 +16068,7 @@
         </p:nvSpPr>
         <p:spPr>
           <a:xfrm>
-            <a:off x="465138" y="1016001"/>
+            <a:off x="231295" y="987426"/>
             <a:ext cx="7772400" cy="685800"/>
           </a:xfrm>
           <a:prstGeom prst="rect">
@@ -16191,8 +16221,7 @@
           </a:lstStyle>
           <a:p>
             <a:r>
-              <a:rPr lang="en-US" kern="0" dirty="0">
-                <a:latin typeface="Arial Black" charset="0"/>
+              <a:rPr lang="en-US" sz="3200" b="1" kern="0" dirty="0">
                 <a:ea typeface="ＭＳ Ｐゴシック" charset="0"/>
                 <a:cs typeface="ＭＳ Ｐゴシック" charset="0"/>
               </a:rPr>
@@ -16555,8 +16584,7 @@
           <a:lstStyle/>
           <a:p>
             <a:r>
-              <a:rPr kumimoji="1" lang="en-US">
-                <a:latin typeface="+mj-lt"/>
+              <a:rPr kumimoji="1" lang="en-US" sz="3200" b="1" dirty="0">
                 <a:ea typeface="+mj-ea"/>
                 <a:cs typeface="ＭＳ Ｐゴシック" pitchFamily="-1" charset="-128"/>
               </a:rPr>
@@ -16578,14 +16606,14 @@
         <p:spPr>
           <a:extLst>
             <a:ext uri="{909E8E84-426E-40dd-AFC4-6F175D3DCCD1}">
-              <a14:hiddenFill xmlns="" xmlns:a14="http://schemas.microsoft.com/office/drawing/2010/main">
+              <a14:hiddenFill xmlns:a14="http://schemas.microsoft.com/office/drawing/2010/main" xmlns="">
                 <a:solidFill>
                   <a:srgbClr val="FFFFFF"/>
                 </a:solidFill>
               </a14:hiddenFill>
             </a:ext>
             <a:ext uri="{91240B29-F687-4f45-9708-019B960494DF}">
-              <a14:hiddenLine xmlns="" xmlns:a14="http://schemas.microsoft.com/office/drawing/2010/main" w="9525">
+              <a14:hiddenLine xmlns:a14="http://schemas.microsoft.com/office/drawing/2010/main" xmlns="" w="9525">
                 <a:solidFill>
                   <a:srgbClr val="000000"/>
                 </a:solidFill>
@@ -16785,7 +16813,7 @@
         </p:nvSpPr>
         <p:spPr bwMode="auto">
           <a:xfrm>
-            <a:off x="413437" y="1116376"/>
+            <a:off x="456282" y="664549"/>
             <a:ext cx="4775507" cy="679373"/>
           </a:xfrm>
           <a:prstGeom prst="rect">
@@ -16797,14 +16825,14 @@
           </a:ln>
           <a:extLst>
             <a:ext uri="{909E8E84-426E-40dd-AFC4-6F175D3DCCD1}">
-              <a14:hiddenFill xmlns="" xmlns:a14="http://schemas.microsoft.com/office/drawing/2010/main">
+              <a14:hiddenFill xmlns:a14="http://schemas.microsoft.com/office/drawing/2010/main" xmlns="">
                 <a:solidFill>
                   <a:srgbClr val="FFFFFF"/>
                 </a:solidFill>
               </a14:hiddenFill>
             </a:ext>
             <a:ext uri="{91240B29-F687-4f45-9708-019B960494DF}">
-              <a14:hiddenLine xmlns="" xmlns:a14="http://schemas.microsoft.com/office/drawing/2010/main" w="9525">
+              <a14:hiddenLine xmlns:a14="http://schemas.microsoft.com/office/drawing/2010/main" xmlns="" w="9525">
                 <a:solidFill>
                   <a:srgbClr val="000000"/>
                 </a:solidFill>
@@ -16814,7 +16842,7 @@
               </a14:hiddenLine>
             </a:ext>
             <a:ext uri="{FAA26D3D-D897-4be2-8F04-BA451C77F1D7}">
-              <ma14:placeholderFlag xmlns="" xmlns:ma14="http://schemas.microsoft.com/office/mac/drawingml/2011/main" val="1"/>
+              <ma14:placeholderFlag xmlns:ma14="http://schemas.microsoft.com/office/mac/drawingml/2011/main" xmlns="" val="1"/>
             </a:ext>
           </a:extLst>
         </p:spPr>
@@ -16866,9 +16894,10 @@
                 <a:schemeClr val="accent2"/>
               </a:buClr>
             </a:pPr>
-            <a:endParaRPr kumimoji="1" lang="en-US" dirty="0">
-              <a:latin typeface="+mn-lt"/>
-              <a:ea typeface="+mn-ea"/>
+            <a:endParaRPr kumimoji="1" lang="en-US" sz="3200" b="1" dirty="0">
+              <a:latin typeface="+mj-lt"/>
+              <a:ea typeface="+mj-ea"/>
+              <a:cs typeface="+mj-cs"/>
             </a:endParaRPr>
           </a:p>
           <a:p>
@@ -16966,14 +16995,14 @@
           <a:effectLst/>
           <a:extLst>
             <a:ext uri="{909E8E84-426E-40dd-AFC4-6F175D3DCCD1}">
-              <a14:hiddenFill xmlns="" xmlns:a14="http://schemas.microsoft.com/office/drawing/2010/main">
+              <a14:hiddenFill xmlns:a14="http://schemas.microsoft.com/office/drawing/2010/main" xmlns="">
                 <a:solidFill>
                   <a:schemeClr val="accent1"/>
                 </a:solidFill>
               </a14:hiddenFill>
             </a:ext>
             <a:ext uri="{AF507438-7753-43e0-B8FC-AC1667EBCBE1}">
-              <a14:hiddenEffects xmlns="" xmlns:a14="http://schemas.microsoft.com/office/drawing/2010/main">
+              <a14:hiddenEffects xmlns:a14="http://schemas.microsoft.com/office/drawing/2010/main" xmlns="">
                 <a:effectLst>
                   <a:outerShdw blurRad="63500" dist="35921" dir="2700000" algn="ctr" rotWithShape="0">
                     <a:schemeClr val="bg2"/>
@@ -17057,14 +17086,14 @@
           <a:effectLst/>
           <a:extLst>
             <a:ext uri="{909E8E84-426E-40dd-AFC4-6F175D3DCCD1}">
-              <a14:hiddenFill xmlns="" xmlns:a14="http://schemas.microsoft.com/office/drawing/2010/main">
+              <a14:hiddenFill xmlns:a14="http://schemas.microsoft.com/office/drawing/2010/main" xmlns="">
                 <a:solidFill>
                   <a:schemeClr val="accent1"/>
                 </a:solidFill>
               </a14:hiddenFill>
             </a:ext>
             <a:ext uri="{AF507438-7753-43e0-B8FC-AC1667EBCBE1}">
-              <a14:hiddenEffects xmlns="" xmlns:a14="http://schemas.microsoft.com/office/drawing/2010/main">
+              <a14:hiddenEffects xmlns:a14="http://schemas.microsoft.com/office/drawing/2010/main" xmlns="">
                 <a:effectLst>
                   <a:outerShdw blurRad="63500" dist="35921" dir="2700000" algn="ctr" rotWithShape="0">
                     <a:schemeClr val="bg2"/>
@@ -17946,12 +17975,13 @@
         </p:nvSpPr>
         <p:spPr/>
         <p:txBody>
-          <a:bodyPr/>
+          <a:bodyPr>
+            <a:normAutofit/>
+          </a:bodyPr>
           <a:lstStyle/>
           <a:p>
-            <a:pPr algn="ctr"/>
-            <a:r>
-              <a:rPr lang="en-IE" dirty="0"/>
+            <a:r>
+              <a:rPr lang="en-IE" sz="3200" b="1" dirty="0"/>
               <a:t>Use of where with Guards</a:t>
             </a:r>
           </a:p>
@@ -18164,12 +18194,13 @@
         </p:nvSpPr>
         <p:spPr/>
         <p:txBody>
-          <a:bodyPr/>
+          <a:bodyPr>
+            <a:normAutofit/>
+          </a:bodyPr>
           <a:lstStyle/>
           <a:p>
-            <a:pPr algn="ctr"/>
-            <a:r>
-              <a:rPr lang="en-IE" dirty="0"/>
+            <a:r>
+              <a:rPr lang="en-IE" sz="3200" b="1" dirty="0"/>
               <a:t>Use of where with Guards(2) </a:t>
             </a:r>
           </a:p>
@@ -18655,14 +18686,14 @@
           <a:effectLst/>
           <a:extLst>
             <a:ext uri="{909E8E84-426E-40dd-AFC4-6F175D3DCCD1}">
-              <a14:hiddenFill xmlns:a14="http://schemas.microsoft.com/office/drawing/2010/main" xmlns="">
+              <a14:hiddenFill xmlns="" xmlns:a14="http://schemas.microsoft.com/office/drawing/2010/main">
                 <a:solidFill>
                   <a:schemeClr val="accent1"/>
                 </a:solidFill>
               </a14:hiddenFill>
             </a:ext>
             <a:ext uri="{AF507438-7753-43e0-B8FC-AC1667EBCBE1}">
-              <a14:hiddenEffects xmlns:a14="http://schemas.microsoft.com/office/drawing/2010/main" xmlns="">
+              <a14:hiddenEffects xmlns="" xmlns:a14="http://schemas.microsoft.com/office/drawing/2010/main">
                 <a:effectLst>
                   <a:outerShdw blurRad="63500" dist="35921" dir="2700000" algn="ctr" rotWithShape="0">
                     <a:schemeClr val="bg2"/>
@@ -18700,14 +18731,14 @@
           <a:effectLst/>
           <a:extLst>
             <a:ext uri="{909E8E84-426E-40dd-AFC4-6F175D3DCCD1}">
-              <a14:hiddenFill xmlns:a14="http://schemas.microsoft.com/office/drawing/2010/main" xmlns="">
+              <a14:hiddenFill xmlns="" xmlns:a14="http://schemas.microsoft.com/office/drawing/2010/main">
                 <a:solidFill>
                   <a:schemeClr val="accent1"/>
                 </a:solidFill>
               </a14:hiddenFill>
             </a:ext>
             <a:ext uri="{AF507438-7753-43e0-B8FC-AC1667EBCBE1}">
-              <a14:hiddenEffects xmlns:a14="http://schemas.microsoft.com/office/drawing/2010/main" xmlns="">
+              <a14:hiddenEffects xmlns="" xmlns:a14="http://schemas.microsoft.com/office/drawing/2010/main">
                 <a:effectLst>
                   <a:outerShdw blurRad="63500" dist="35921" dir="2700000" algn="ctr" rotWithShape="0">
                     <a:schemeClr val="bg2"/>
@@ -18745,14 +18776,14 @@
           <a:effectLst/>
           <a:extLst>
             <a:ext uri="{909E8E84-426E-40dd-AFC4-6F175D3DCCD1}">
-              <a14:hiddenFill xmlns:a14="http://schemas.microsoft.com/office/drawing/2010/main" xmlns="">
+              <a14:hiddenFill xmlns="" xmlns:a14="http://schemas.microsoft.com/office/drawing/2010/main">
                 <a:solidFill>
                   <a:schemeClr val="accent1"/>
                 </a:solidFill>
               </a14:hiddenFill>
             </a:ext>
             <a:ext uri="{AF507438-7753-43e0-B8FC-AC1667EBCBE1}">
-              <a14:hiddenEffects xmlns:a14="http://schemas.microsoft.com/office/drawing/2010/main" xmlns="">
+              <a14:hiddenEffects xmlns="" xmlns:a14="http://schemas.microsoft.com/office/drawing/2010/main">
                 <a:effectLst>
                   <a:outerShdw blurRad="63500" dist="35921" dir="2700000" algn="ctr" rotWithShape="0">
                     <a:schemeClr val="bg2"/>
@@ -19882,17 +19913,18 @@
         </p:nvSpPr>
         <p:spPr>
           <a:xfrm>
-            <a:off x="381000" y="380999"/>
-            <a:ext cx="7772400" cy="1160721"/>
+            <a:off x="0" y="683296"/>
+            <a:ext cx="8047092" cy="1160721"/>
           </a:xfrm>
         </p:spPr>
         <p:txBody>
-          <a:bodyPr/>
+          <a:bodyPr>
+            <a:normAutofit/>
+          </a:bodyPr>
           <a:lstStyle/>
           <a:p>
-            <a:pPr algn="ctr"/>
-            <a:r>
-              <a:rPr lang="en-IE" dirty="0"/>
+            <a:r>
+              <a:rPr lang="en-IE" sz="3200" dirty="0"/>
               <a:t>Use of where with Guards and patterns (3) </a:t>
             </a:r>
           </a:p>
@@ -20325,13 +20357,20 @@
             <p:ph type="title"/>
           </p:nvPr>
         </p:nvSpPr>
-        <p:spPr/>
+        <p:spPr>
+          <a:xfrm>
+            <a:off x="231295" y="763079"/>
+            <a:ext cx="7210396" cy="1080938"/>
+          </a:xfrm>
+        </p:spPr>
         <p:txBody>
-          <a:bodyPr/>
+          <a:bodyPr>
+            <a:normAutofit/>
+          </a:bodyPr>
           <a:lstStyle/>
           <a:p>
             <a:r>
-              <a:rPr lang="en-IE" b="1" dirty="0"/>
+              <a:rPr lang="en-IE" sz="3200" dirty="0"/>
               <a:t>The let expression</a:t>
             </a:r>
           </a:p>
@@ -21484,30 +21523,34 @@
             <p:ph type="title"/>
           </p:nvPr>
         </p:nvSpPr>
-        <p:spPr/>
+        <p:spPr>
+          <a:xfrm>
+            <a:off x="231295" y="753228"/>
+            <a:ext cx="7210396" cy="1080938"/>
+          </a:xfrm>
+        </p:spPr>
         <p:txBody>
-          <a:bodyPr/>
+          <a:bodyPr>
+            <a:normAutofit/>
+          </a:bodyPr>
           <a:lstStyle/>
           <a:p>
             <a:r>
-              <a:rPr lang="en-US" dirty="0">
-                <a:latin typeface="Arial Black" charset="0"/>
+              <a:rPr lang="en-US" sz="3200" b="1" dirty="0">
                 <a:ea typeface="ＭＳ Ｐゴシック" charset="0"/>
                 <a:cs typeface="ＭＳ Ｐゴシック" charset="0"/>
               </a:rPr>
               <a:t>List Patterns  - the (</a:t>
             </a:r>
             <a:r>
-              <a:rPr lang="en-US" dirty="0">
-                <a:latin typeface="Arial Black" charset="0"/>
+              <a:rPr lang="en-US" sz="3200" b="1" dirty="0">
                 <a:ea typeface="ＭＳ Ｐゴシック" charset="0"/>
                 <a:cs typeface="ＭＳ Ｐゴシック" charset="0"/>
                 <a:sym typeface="Wingdings" pitchFamily="2" charset="2"/>
               </a:rPr>
               <a:t>: ) operator</a:t>
             </a:r>
-            <a:endParaRPr lang="en-US" dirty="0">
-              <a:latin typeface="Arial Black" charset="0"/>
+            <a:endParaRPr lang="en-US" sz="3200" b="1" dirty="0">
               <a:ea typeface="ＭＳ Ｐゴシック" charset="0"/>
               <a:cs typeface="ＭＳ Ｐゴシック" charset="0"/>
             </a:endParaRPr>
@@ -21528,14 +21571,14 @@
           <a:noFill/>
           <a:extLst>
             <a:ext uri="{909E8E84-426E-40dd-AFC4-6F175D3DCCD1}">
-              <a14:hiddenFill xmlns:a14="http://schemas.microsoft.com/office/drawing/2010/main" xmlns="">
+              <a14:hiddenFill xmlns="" xmlns:a14="http://schemas.microsoft.com/office/drawing/2010/main">
                 <a:solidFill>
                   <a:srgbClr val="FFFFFF"/>
                 </a:solidFill>
               </a14:hiddenFill>
             </a:ext>
             <a:ext uri="{91240B29-F687-4f45-9708-019B960494DF}">
-              <a14:hiddenLine xmlns:a14="http://schemas.microsoft.com/office/drawing/2010/main" xmlns="" w="9525">
+              <a14:hiddenLine xmlns="" xmlns:a14="http://schemas.microsoft.com/office/drawing/2010/main" w="9525">
                 <a:solidFill>
                   <a:srgbClr val="000000"/>
                 </a:solidFill>
@@ -21688,14 +21731,14 @@
           </a:ln>
           <a:extLst>
             <a:ext uri="{909E8E84-426E-40dd-AFC4-6F175D3DCCD1}">
-              <a14:hiddenFill xmlns:a14="http://schemas.microsoft.com/office/drawing/2010/main" xmlns="">
+              <a14:hiddenFill xmlns="" xmlns:a14="http://schemas.microsoft.com/office/drawing/2010/main">
                 <a:solidFill>
                   <a:srgbClr val="FFFFFF"/>
                 </a:solidFill>
               </a14:hiddenFill>
             </a:ext>
             <a:ext uri="{91240B29-F687-4f45-9708-019B960494DF}">
-              <a14:hiddenLine xmlns:a14="http://schemas.microsoft.com/office/drawing/2010/main" xmlns="" w="9525">
+              <a14:hiddenLine xmlns="" xmlns:a14="http://schemas.microsoft.com/office/drawing/2010/main" w="9525">
                 <a:solidFill>
                   <a:srgbClr val="000000"/>
                 </a:solidFill>
@@ -22745,11 +22788,13 @@
         </p:nvSpPr>
         <p:spPr/>
         <p:txBody>
-          <a:bodyPr/>
+          <a:bodyPr>
+            <a:normAutofit/>
+          </a:bodyPr>
           <a:lstStyle/>
           <a:p>
             <a:r>
-              <a:rPr lang="en-US" dirty="0"/>
+              <a:rPr lang="en-US" sz="3200" b="1" dirty="0"/>
               <a:t>Patterns in functions</a:t>
             </a:r>
           </a:p>
@@ -22769,14 +22814,14 @@
           <a:noFill/>
           <a:extLst>
             <a:ext uri="{909E8E84-426E-40dd-AFC4-6F175D3DCCD1}">
-              <a14:hiddenFill xmlns:a14="http://schemas.microsoft.com/office/drawing/2010/main" xmlns="">
+              <a14:hiddenFill xmlns="" xmlns:a14="http://schemas.microsoft.com/office/drawing/2010/main">
                 <a:solidFill>
                   <a:srgbClr val="FFFFFF"/>
                 </a:solidFill>
               </a14:hiddenFill>
             </a:ext>
             <a:ext uri="{91240B29-F687-4f45-9708-019B960494DF}">
-              <a14:hiddenLine xmlns:a14="http://schemas.microsoft.com/office/drawing/2010/main" xmlns="" w="9525">
+              <a14:hiddenLine xmlns="" xmlns:a14="http://schemas.microsoft.com/office/drawing/2010/main" w="9525">
                 <a:solidFill>
                   <a:srgbClr val="000000"/>
                 </a:solidFill>
@@ -23213,14 +23258,14 @@
           <a:noFill/>
           <a:extLst>
             <a:ext uri="{909E8E84-426E-40dd-AFC4-6F175D3DCCD1}">
-              <a14:hiddenFill xmlns:a14="http://schemas.microsoft.com/office/drawing/2010/main" xmlns="">
+              <a14:hiddenFill xmlns="" xmlns:a14="http://schemas.microsoft.com/office/drawing/2010/main">
                 <a:solidFill>
                   <a:srgbClr val="FFFFFF"/>
                 </a:solidFill>
               </a14:hiddenFill>
             </a:ext>
             <a:ext uri="{91240B29-F687-4f45-9708-019B960494DF}">
-              <a14:hiddenLine xmlns:a14="http://schemas.microsoft.com/office/drawing/2010/main" xmlns="" w="9525">
+              <a14:hiddenLine xmlns="" xmlns:a14="http://schemas.microsoft.com/office/drawing/2010/main" w="9525">
                 <a:solidFill>
                   <a:srgbClr val="000000"/>
                 </a:solidFill>
@@ -23361,8 +23406,8 @@
         </p:nvSpPr>
         <p:spPr bwMode="auto">
           <a:xfrm>
-            <a:off x="629734" y="962065"/>
-            <a:ext cx="1217000" cy="523220"/>
+            <a:off x="629734" y="931288"/>
+            <a:ext cx="1417376" cy="584775"/>
           </a:xfrm>
           <a:prstGeom prst="rect">
             <a:avLst/>
@@ -23383,8 +23428,8 @@
               <a:defRPr/>
             </a:pPr>
             <a:r>
-              <a:rPr lang="en-US" sz="2800" dirty="0">
-                <a:latin typeface="Tahoma" panose="020B0604030504040204" pitchFamily="34" charset="0"/>
+              <a:rPr lang="en-US" sz="3200" b="1" dirty="0">
+                <a:latin typeface="+mj-lt"/>
                 <a:ea typeface="Tahoma" panose="020B0604030504040204" pitchFamily="34" charset="0"/>
                 <a:cs typeface="Tahoma" panose="020B0604030504040204" pitchFamily="34" charset="0"/>
               </a:rPr>
@@ -23415,14 +23460,14 @@
           </a:ln>
           <a:extLst>
             <a:ext uri="{909E8E84-426E-40dd-AFC4-6F175D3DCCD1}">
-              <a14:hiddenFill xmlns:a14="http://schemas.microsoft.com/office/drawing/2010/main" xmlns="">
+              <a14:hiddenFill xmlns="" xmlns:a14="http://schemas.microsoft.com/office/drawing/2010/main">
                 <a:solidFill>
                   <a:srgbClr val="FFFFFF"/>
                 </a:solidFill>
               </a14:hiddenFill>
             </a:ext>
             <a:ext uri="{91240B29-F687-4f45-9708-019B960494DF}">
-              <a14:hiddenLine xmlns:a14="http://schemas.microsoft.com/office/drawing/2010/main" xmlns="" w="9525">
+              <a14:hiddenLine xmlns="" xmlns:a14="http://schemas.microsoft.com/office/drawing/2010/main" w="9525">
                 <a:solidFill>
                   <a:srgbClr val="000000"/>
                 </a:solidFill>
@@ -24114,21 +24159,28 @@
             <p:ph type="title"/>
           </p:nvPr>
         </p:nvSpPr>
-        <p:spPr/>
+        <p:spPr>
+          <a:xfrm>
+            <a:off x="231295" y="763079"/>
+            <a:ext cx="7210396" cy="1080938"/>
+          </a:xfrm>
+        </p:spPr>
         <p:txBody>
-          <a:bodyPr/>
+          <a:bodyPr>
+            <a:normAutofit/>
+          </a:bodyPr>
           <a:lstStyle/>
           <a:p>
             <a:r>
-              <a:rPr lang="en-US" b="1" dirty="0"/>
+              <a:rPr lang="en-US" sz="3200" b="1" dirty="0"/>
               <a:t>Note – </a:t>
             </a:r>
             <a:r>
-              <a:rPr lang="en-US" b="1" dirty="0" err="1"/>
+              <a:rPr lang="en-US" sz="3200" b="1" dirty="0" err="1"/>
               <a:t>parenthesise</a:t>
             </a:r>
             <a:r>
-              <a:rPr lang="en-US" b="1" dirty="0"/>
+              <a:rPr lang="en-US" sz="3200" b="1" dirty="0"/>
               <a:t>! </a:t>
             </a:r>
           </a:p>
@@ -24148,14 +24200,14 @@
           <a:noFill/>
           <a:extLst>
             <a:ext uri="{909E8E84-426E-40dd-AFC4-6F175D3DCCD1}">
-              <a14:hiddenFill xmlns:a14="http://schemas.microsoft.com/office/drawing/2010/main" xmlns="">
+              <a14:hiddenFill xmlns="" xmlns:a14="http://schemas.microsoft.com/office/drawing/2010/main">
                 <a:solidFill>
                   <a:srgbClr val="FFFFFF"/>
                 </a:solidFill>
               </a14:hiddenFill>
             </a:ext>
             <a:ext uri="{91240B29-F687-4f45-9708-019B960494DF}">
-              <a14:hiddenLine xmlns:a14="http://schemas.microsoft.com/office/drawing/2010/main" xmlns="" w="9525">
+              <a14:hiddenLine xmlns="" xmlns:a14="http://schemas.microsoft.com/office/drawing/2010/main" w="9525">
                 <a:solidFill>
                   <a:srgbClr val="000000"/>
                 </a:solidFill>
@@ -24308,14 +24360,14 @@
           </a:ln>
           <a:extLst>
             <a:ext uri="{909E8E84-426E-40dd-AFC4-6F175D3DCCD1}">
-              <a14:hiddenFill xmlns:a14="http://schemas.microsoft.com/office/drawing/2010/main" xmlns="">
+              <a14:hiddenFill xmlns="" xmlns:a14="http://schemas.microsoft.com/office/drawing/2010/main">
                 <a:solidFill>
                   <a:srgbClr val="FFFFFF"/>
                 </a:solidFill>
               </a14:hiddenFill>
             </a:ext>
             <a:ext uri="{91240B29-F687-4f45-9708-019B960494DF}">
-              <a14:hiddenLine xmlns:a14="http://schemas.microsoft.com/office/drawing/2010/main" xmlns="" w="9525">
+              <a14:hiddenLine xmlns="" xmlns:a14="http://schemas.microsoft.com/office/drawing/2010/main" w="9525">
                 <a:solidFill>
                   <a:srgbClr val="000000"/>
                 </a:solidFill>
@@ -24465,14 +24517,20 @@
             <p:ph type="title"/>
           </p:nvPr>
         </p:nvSpPr>
-        <p:spPr/>
+        <p:spPr>
+          <a:xfrm>
+            <a:off x="231295" y="753228"/>
+            <a:ext cx="7210396" cy="1080938"/>
+          </a:xfrm>
+        </p:spPr>
         <p:txBody>
-          <a:bodyPr/>
+          <a:bodyPr>
+            <a:normAutofit/>
+          </a:bodyPr>
           <a:lstStyle/>
           <a:p>
             <a:r>
-              <a:rPr lang="en-US" dirty="0">
-                <a:latin typeface="Arial Black" charset="0"/>
+              <a:rPr lang="en-US" sz="3200" b="1" dirty="0">
                 <a:ea typeface="ＭＳ Ｐゴシック" charset="0"/>
                 <a:cs typeface="ＭＳ Ｐゴシック" charset="0"/>
               </a:rPr>
@@ -24495,14 +24553,14 @@
           <a:noFill/>
           <a:extLst>
             <a:ext uri="{909E8E84-426E-40dd-AFC4-6F175D3DCCD1}">
-              <a14:hiddenFill xmlns:a14="http://schemas.microsoft.com/office/drawing/2010/main" xmlns="">
+              <a14:hiddenFill xmlns="" xmlns:a14="http://schemas.microsoft.com/office/drawing/2010/main">
                 <a:solidFill>
                   <a:srgbClr val="FFFFFF"/>
                 </a:solidFill>
               </a14:hiddenFill>
             </a:ext>
             <a:ext uri="{91240B29-F687-4f45-9708-019B960494DF}">
-              <a14:hiddenLine xmlns:a14="http://schemas.microsoft.com/office/drawing/2010/main" xmlns="" w="9525">
+              <a14:hiddenLine xmlns="" xmlns:a14="http://schemas.microsoft.com/office/drawing/2010/main" w="9525">
                 <a:solidFill>
                   <a:srgbClr val="000000"/>
                 </a:solidFill>
@@ -25090,14 +25148,14 @@
           <a:noFill/>
           <a:extLst>
             <a:ext uri="{909E8E84-426E-40dd-AFC4-6F175D3DCCD1}">
-              <a14:hiddenFill xmlns:a14="http://schemas.microsoft.com/office/drawing/2010/main" xmlns="">
+              <a14:hiddenFill xmlns="" xmlns:a14="http://schemas.microsoft.com/office/drawing/2010/main">
                 <a:solidFill>
                   <a:srgbClr val="FFFFFF"/>
                 </a:solidFill>
               </a14:hiddenFill>
             </a:ext>
             <a:ext uri="{91240B29-F687-4f45-9708-019B960494DF}">
-              <a14:hiddenLine xmlns:a14="http://schemas.microsoft.com/office/drawing/2010/main" xmlns="" w="9525">
+              <a14:hiddenLine xmlns="" xmlns:a14="http://schemas.microsoft.com/office/drawing/2010/main" w="9525">
                 <a:solidFill>
                   <a:srgbClr val="000000"/>
                 </a:solidFill>
@@ -25528,7 +25586,7 @@
         </p:nvSpPr>
         <p:spPr>
           <a:xfrm>
-            <a:off x="527051" y="753228"/>
+            <a:off x="231295" y="764575"/>
             <a:ext cx="7210396" cy="1080938"/>
           </a:xfrm>
           <a:prstGeom prst="rect">
@@ -25560,13 +25618,17 @@
           </a:lstStyle>
           <a:p>
             <a:r>
-              <a:rPr lang="en-US" dirty="0">
-                <a:latin typeface="Arial Black" charset="0"/>
+              <a:rPr lang="en-US" sz="2800" b="1" dirty="0">
                 <a:ea typeface="ＭＳ Ｐゴシック" charset="0"/>
                 <a:cs typeface="ＭＳ Ｐゴシック" charset="0"/>
               </a:rPr>
               <a:t>Operator Sections</a:t>
             </a:r>
+            <a:endParaRPr lang="en-US" dirty="0">
+              <a:latin typeface="Arial Black" charset="0"/>
+              <a:ea typeface="ＭＳ Ｐゴシック" charset="0"/>
+              <a:cs typeface="ＭＳ Ｐゴシック" charset="0"/>
+            </a:endParaRPr>
           </a:p>
         </p:txBody>
       </p:sp>
@@ -25935,7 +25997,12 @@
             <p:ph type="title"/>
           </p:nvPr>
         </p:nvSpPr>
-        <p:spPr/>
+        <p:spPr>
+          <a:xfrm>
+            <a:off x="364467" y="660407"/>
+            <a:ext cx="7210396" cy="1080938"/>
+          </a:xfrm>
+        </p:spPr>
         <p:txBody>
           <a:bodyPr vert="horz" wrap="square" lIns="91440" tIns="45720" rIns="91440" bIns="45720" numCol="1" anchor="b" anchorCtr="0" compatLnSpc="1">
             <a:prstTxWarp prst="textNoShape">
@@ -25946,11 +26013,7 @@
           <a:lstStyle/>
           <a:p>
             <a:r>
-              <a:rPr kumimoji="1" lang="en-US" dirty="0">
-                <a:latin typeface="+mj-lt"/>
-                <a:ea typeface="+mj-ea"/>
-                <a:cs typeface="ＭＳ Ｐゴシック" pitchFamily="-1" charset="-128"/>
-              </a:rPr>
+              <a:rPr kumimoji="1" lang="en-US" sz="3200" b="1" dirty="0"/>
               <a:t>The nature of functions</a:t>
             </a:r>
           </a:p>
@@ -25969,14 +26032,14 @@
         <p:spPr>
           <a:extLst>
             <a:ext uri="{909E8E84-426E-40dd-AFC4-6F175D3DCCD1}">
-              <a14:hiddenFill xmlns:a14="http://schemas.microsoft.com/office/drawing/2010/main" xmlns="">
+              <a14:hiddenFill xmlns="" xmlns:a14="http://schemas.microsoft.com/office/drawing/2010/main">
                 <a:solidFill>
                   <a:srgbClr val="FFFFFF"/>
                 </a:solidFill>
               </a14:hiddenFill>
             </a:ext>
             <a:ext uri="{91240B29-F687-4f45-9708-019B960494DF}">
-              <a14:hiddenLine xmlns:a14="http://schemas.microsoft.com/office/drawing/2010/main" xmlns="" w="9525">
+              <a14:hiddenLine xmlns="" xmlns:a14="http://schemas.microsoft.com/office/drawing/2010/main" w="9525">
                 <a:solidFill>
                   <a:srgbClr val="000000"/>
                 </a:solidFill>
@@ -26157,14 +26220,14 @@
           </a:ln>
           <a:extLst>
             <a:ext uri="{909E8E84-426E-40dd-AFC4-6F175D3DCCD1}">
-              <a14:hiddenFill xmlns:a14="http://schemas.microsoft.com/office/drawing/2010/main" xmlns="">
+              <a14:hiddenFill xmlns="" xmlns:a14="http://schemas.microsoft.com/office/drawing/2010/main">
                 <a:solidFill>
                   <a:srgbClr val="FFFFFF"/>
                 </a:solidFill>
               </a14:hiddenFill>
             </a:ext>
             <a:ext uri="{91240B29-F687-4f45-9708-019B960494DF}">
-              <a14:hiddenLine xmlns:a14="http://schemas.microsoft.com/office/drawing/2010/main" xmlns="" w="9525">
+              <a14:hiddenLine xmlns="" xmlns:a14="http://schemas.microsoft.com/office/drawing/2010/main" w="9525">
                 <a:solidFill>
                   <a:srgbClr val="000000"/>
                 </a:solidFill>
@@ -26174,7 +26237,7 @@
               </a14:hiddenLine>
             </a:ext>
             <a:ext uri="{FAA26D3D-D897-4be2-8F04-BA451C77F1D7}">
-              <ma14:placeholderFlag xmlns:ma14="http://schemas.microsoft.com/office/mac/drawingml/2011/main" xmlns="" val="1"/>
+              <ma14:placeholderFlag xmlns="" xmlns:ma14="http://schemas.microsoft.com/office/mac/drawingml/2011/main" val="1"/>
             </a:ext>
           </a:extLst>
         </p:spPr>
@@ -26992,20 +27055,20 @@
           </a:xfrm>
         </p:spPr>
         <p:txBody>
-          <a:bodyPr/>
+          <a:bodyPr>
+            <a:normAutofit/>
+          </a:bodyPr>
           <a:lstStyle/>
           <a:p>
             <a:r>
-              <a:rPr lang="en-US">
-                <a:latin typeface="Arial Black" charset="0"/>
+              <a:rPr lang="en-US" sz="3200" b="1" dirty="0">
                 <a:ea typeface="ＭＳ Ｐゴシック" charset="0"/>
                 <a:cs typeface="ＭＳ Ｐゴシック" charset="0"/>
               </a:rPr>
               <a:t>Why Are </a:t>
             </a:r>
             <a:r>
-              <a:rPr lang="en-US" sz="4000">
-                <a:latin typeface="Arial Black" charset="0"/>
+              <a:rPr lang="en-US" sz="3200" b="1" dirty="0">
                 <a:ea typeface="ＭＳ Ｐゴシック" charset="0"/>
                 <a:cs typeface="ＭＳ Ｐゴシック" charset="0"/>
                 <a:sym typeface="Symbol" charset="0"/>
@@ -27013,8 +27076,7 @@
               <a:t>Sections</a:t>
             </a:r>
             <a:r>
-              <a:rPr lang="en-US">
-                <a:latin typeface="Arial Black" charset="0"/>
+              <a:rPr lang="en-US" sz="3200" b="1" dirty="0">
                 <a:ea typeface="ＭＳ Ｐゴシック" charset="0"/>
                 <a:cs typeface="ＭＳ Ｐゴシック" charset="0"/>
               </a:rPr>
@@ -27037,14 +27099,14 @@
           <a:noFill/>
           <a:extLst>
             <a:ext uri="{909E8E84-426E-40dd-AFC4-6F175D3DCCD1}">
-              <a14:hiddenFill xmlns:a14="http://schemas.microsoft.com/office/drawing/2010/main" xmlns="">
+              <a14:hiddenFill xmlns="" xmlns:a14="http://schemas.microsoft.com/office/drawing/2010/main">
                 <a:solidFill>
                   <a:srgbClr val="FFFFFF"/>
                 </a:solidFill>
               </a14:hiddenFill>
             </a:ext>
             <a:ext uri="{91240B29-F687-4f45-9708-019B960494DF}">
-              <a14:hiddenLine xmlns:a14="http://schemas.microsoft.com/office/drawing/2010/main" xmlns="" w="9525">
+              <a14:hiddenLine xmlns="" xmlns:a14="http://schemas.microsoft.com/office/drawing/2010/main" w="9525">
                 <a:solidFill>
                   <a:srgbClr val="000000"/>
                 </a:solidFill>
@@ -27798,14 +27860,14 @@
         <p:spPr>
           <a:extLst>
             <a:ext uri="{909E8E84-426E-40dd-AFC4-6F175D3DCCD1}">
-              <a14:hiddenFill xmlns:a14="http://schemas.microsoft.com/office/drawing/2010/main" xmlns="">
+              <a14:hiddenFill xmlns="" xmlns:a14="http://schemas.microsoft.com/office/drawing/2010/main">
                 <a:solidFill>
                   <a:srgbClr val="FFFFFF"/>
                 </a:solidFill>
               </a14:hiddenFill>
             </a:ext>
             <a:ext uri="{91240B29-F687-4f45-9708-019B960494DF}">
-              <a14:hiddenLine xmlns:a14="http://schemas.microsoft.com/office/drawing/2010/main" xmlns="" w="9525">
+              <a14:hiddenLine xmlns="" xmlns:a14="http://schemas.microsoft.com/office/drawing/2010/main" w="9525">
                 <a:solidFill>
                   <a:srgbClr val="000000"/>
                 </a:solidFill>
@@ -27987,7 +28049,12 @@
             <p:ph type="title"/>
           </p:nvPr>
         </p:nvSpPr>
-        <p:spPr/>
+        <p:spPr>
+          <a:xfrm>
+            <a:off x="510241" y="1017643"/>
+            <a:ext cx="7210396" cy="561957"/>
+          </a:xfrm>
+        </p:spPr>
         <p:txBody>
           <a:bodyPr vert="horz" wrap="square" lIns="91440" tIns="45720" rIns="91440" bIns="45720" numCol="1" anchor="b" anchorCtr="0" compatLnSpc="1">
             <a:prstTxWarp prst="textNoShape">
@@ -27998,7 +28065,7 @@
           <a:lstStyle/>
           <a:p>
             <a:r>
-              <a:rPr kumimoji="1" lang="en-US" dirty="0">
+              <a:rPr kumimoji="1" lang="en-US" sz="3200" b="1" dirty="0">
                 <a:latin typeface="+mj-lt"/>
                 <a:ea typeface="+mj-ea"/>
                 <a:cs typeface="ＭＳ Ｐゴシック" pitchFamily="-1" charset="-128"/>
@@ -28006,14 +28073,14 @@
               <a:t>The nature of functions.. </a:t>
             </a:r>
             <a:r>
-              <a:rPr kumimoji="1" lang="en-US" dirty="0" err="1">
+              <a:rPr kumimoji="1" lang="en-US" sz="3200" b="1" dirty="0" err="1">
                 <a:latin typeface="+mj-lt"/>
                 <a:ea typeface="+mj-ea"/>
                 <a:cs typeface="ＭＳ Ｐゴシック" pitchFamily="-1" charset="-128"/>
               </a:rPr>
               <a:t>maths</a:t>
             </a:r>
-            <a:endParaRPr kumimoji="1" lang="en-US" dirty="0">
+            <a:endParaRPr kumimoji="1" lang="en-US" sz="3200" b="1" dirty="0">
               <a:latin typeface="+mj-lt"/>
               <a:ea typeface="+mj-ea"/>
               <a:cs typeface="ＭＳ Ｐゴシック" pitchFamily="-1" charset="-128"/>
@@ -28034,14 +28101,14 @@
         <p:spPr>
           <a:extLst>
             <a:ext uri="{909E8E84-426E-40dd-AFC4-6F175D3DCCD1}">
-              <a14:hiddenFill xmlns="" xmlns:a14="http://schemas.microsoft.com/office/drawing/2010/main">
+              <a14:hiddenFill xmlns:a14="http://schemas.microsoft.com/office/drawing/2010/main" xmlns="">
                 <a:solidFill>
                   <a:srgbClr val="FFFFFF"/>
                 </a:solidFill>
               </a14:hiddenFill>
             </a:ext>
             <a:ext uri="{91240B29-F687-4f45-9708-019B960494DF}">
-              <a14:hiddenLine xmlns="" xmlns:a14="http://schemas.microsoft.com/office/drawing/2010/main" w="9525">
+              <a14:hiddenLine xmlns:a14="http://schemas.microsoft.com/office/drawing/2010/main" xmlns="" w="9525">
                 <a:solidFill>
                   <a:srgbClr val="000000"/>
                 </a:solidFill>
@@ -28222,14 +28289,14 @@
           </a:ln>
           <a:extLst>
             <a:ext uri="{909E8E84-426E-40dd-AFC4-6F175D3DCCD1}">
-              <a14:hiddenFill xmlns="" xmlns:a14="http://schemas.microsoft.com/office/drawing/2010/main">
+              <a14:hiddenFill xmlns:a14="http://schemas.microsoft.com/office/drawing/2010/main" xmlns="">
                 <a:solidFill>
                   <a:srgbClr val="FFFFFF"/>
                 </a:solidFill>
               </a14:hiddenFill>
             </a:ext>
             <a:ext uri="{91240B29-F687-4f45-9708-019B960494DF}">
-              <a14:hiddenLine xmlns="" xmlns:a14="http://schemas.microsoft.com/office/drawing/2010/main" w="9525">
+              <a14:hiddenLine xmlns:a14="http://schemas.microsoft.com/office/drawing/2010/main" xmlns="" w="9525">
                 <a:solidFill>
                   <a:srgbClr val="000000"/>
                 </a:solidFill>
@@ -28239,7 +28306,7 @@
               </a14:hiddenLine>
             </a:ext>
             <a:ext uri="{FAA26D3D-D897-4be2-8F04-BA451C77F1D7}">
-              <ma14:placeholderFlag xmlns="" xmlns:ma14="http://schemas.microsoft.com/office/mac/drawingml/2011/main" val="1"/>
+              <ma14:placeholderFlag xmlns:ma14="http://schemas.microsoft.com/office/mac/drawingml/2011/main" xmlns="" val="1"/>
             </a:ext>
           </a:extLst>
         </p:spPr>
@@ -28903,7 +28970,7 @@
         </p:nvSpPr>
         <p:spPr>
           <a:xfrm>
-            <a:off x="381000" y="381000"/>
+            <a:off x="176458" y="748757"/>
             <a:ext cx="7870634" cy="1095260"/>
           </a:xfrm>
         </p:spPr>
@@ -28917,7 +28984,7 @@
           <a:lstStyle/>
           <a:p>
             <a:r>
-              <a:rPr kumimoji="1" lang="en-US" dirty="0">
+              <a:rPr kumimoji="1" lang="en-US" sz="3200" b="1" dirty="0">
                 <a:latin typeface="+mj-lt"/>
                 <a:ea typeface="+mj-ea"/>
                 <a:cs typeface="ＭＳ Ｐゴシック" pitchFamily="-1" charset="-128"/>
@@ -28940,14 +29007,14 @@
         <p:spPr>
           <a:extLst>
             <a:ext uri="{909E8E84-426E-40dd-AFC4-6F175D3DCCD1}">
-              <a14:hiddenFill xmlns:a14="http://schemas.microsoft.com/office/drawing/2010/main" xmlns="">
+              <a14:hiddenFill xmlns="" xmlns:a14="http://schemas.microsoft.com/office/drawing/2010/main">
                 <a:solidFill>
                   <a:srgbClr val="FFFFFF"/>
                 </a:solidFill>
               </a14:hiddenFill>
             </a:ext>
             <a:ext uri="{91240B29-F687-4f45-9708-019B960494DF}">
-              <a14:hiddenLine xmlns:a14="http://schemas.microsoft.com/office/drawing/2010/main" xmlns="" w="9525">
+              <a14:hiddenLine xmlns="" xmlns:a14="http://schemas.microsoft.com/office/drawing/2010/main" w="9525">
                 <a:solidFill>
                   <a:srgbClr val="000000"/>
                 </a:solidFill>
@@ -29128,14 +29195,14 @@
           </a:ln>
           <a:extLst>
             <a:ext uri="{909E8E84-426E-40dd-AFC4-6F175D3DCCD1}">
-              <a14:hiddenFill xmlns:a14="http://schemas.microsoft.com/office/drawing/2010/main" xmlns="">
+              <a14:hiddenFill xmlns="" xmlns:a14="http://schemas.microsoft.com/office/drawing/2010/main">
                 <a:solidFill>
                   <a:srgbClr val="FFFFFF"/>
                 </a:solidFill>
               </a14:hiddenFill>
             </a:ext>
             <a:ext uri="{91240B29-F687-4f45-9708-019B960494DF}">
-              <a14:hiddenLine xmlns:a14="http://schemas.microsoft.com/office/drawing/2010/main" xmlns="" w="9525">
+              <a14:hiddenLine xmlns="" xmlns:a14="http://schemas.microsoft.com/office/drawing/2010/main" w="9525">
                 <a:solidFill>
                   <a:srgbClr val="000000"/>
                 </a:solidFill>
@@ -29145,7 +29212,7 @@
               </a14:hiddenLine>
             </a:ext>
             <a:ext uri="{FAA26D3D-D897-4be2-8F04-BA451C77F1D7}">
-              <ma14:placeholderFlag xmlns:ma14="http://schemas.microsoft.com/office/mac/drawingml/2011/main" xmlns="" val="1"/>
+              <ma14:placeholderFlag xmlns="" xmlns:ma14="http://schemas.microsoft.com/office/mac/drawingml/2011/main" val="1"/>
             </a:ext>
           </a:extLst>
         </p:spPr>
@@ -29899,7 +29966,7 @@
         </p:nvSpPr>
         <p:spPr>
           <a:xfrm>
-            <a:off x="381000" y="381000"/>
+            <a:off x="289651" y="599306"/>
             <a:ext cx="7870634" cy="1095260"/>
           </a:xfrm>
         </p:spPr>
@@ -29913,7 +29980,7 @@
           <a:lstStyle/>
           <a:p>
             <a:r>
-              <a:rPr kumimoji="1" lang="en-US" dirty="0">
+              <a:rPr kumimoji="1" lang="en-US" sz="3200" b="1" dirty="0">
                 <a:latin typeface="+mj-lt"/>
                 <a:ea typeface="+mj-ea"/>
                 <a:cs typeface="ＭＳ Ｐゴシック" pitchFamily="-1" charset="-128"/>
@@ -29921,11 +29988,11 @@
               <a:t>The nature of functions.. </a:t>
             </a:r>
             <a:r>
-              <a:rPr lang="en-US" dirty="0"/>
+              <a:rPr lang="en-US" sz="3200" b="1" dirty="0"/>
               <a:t>a</a:t>
             </a:r>
             <a:r>
-              <a:rPr kumimoji="1" lang="en-US" dirty="0">
+              <a:rPr kumimoji="1" lang="en-US" sz="3200" b="1" dirty="0">
                 <a:latin typeface="+mj-lt"/>
                 <a:ea typeface="+mj-ea"/>
                 <a:cs typeface="ＭＳ Ｐゴシック" pitchFamily="-1" charset="-128"/>
@@ -29948,14 +30015,14 @@
         <p:spPr>
           <a:extLst>
             <a:ext uri="{909E8E84-426E-40dd-AFC4-6F175D3DCCD1}">
-              <a14:hiddenFill xmlns="" xmlns:a14="http://schemas.microsoft.com/office/drawing/2010/main">
+              <a14:hiddenFill xmlns:a14="http://schemas.microsoft.com/office/drawing/2010/main" xmlns="">
                 <a:solidFill>
                   <a:srgbClr val="FFFFFF"/>
                 </a:solidFill>
               </a14:hiddenFill>
             </a:ext>
             <a:ext uri="{91240B29-F687-4f45-9708-019B960494DF}">
-              <a14:hiddenLine xmlns="" xmlns:a14="http://schemas.microsoft.com/office/drawing/2010/main" w="9525">
+              <a14:hiddenLine xmlns:a14="http://schemas.microsoft.com/office/drawing/2010/main" xmlns="" w="9525">
                 <a:solidFill>
                   <a:srgbClr val="000000"/>
                 </a:solidFill>
@@ -30256,13 +30323,13 @@
         </p:nvSpPr>
         <p:spPr bwMode="auto">
           <a:xfrm>
-            <a:off x="6338217" y="599306"/>
+            <a:off x="6658964" y="4247817"/>
             <a:ext cx="2442225" cy="1532334"/>
           </a:xfrm>
           <a:prstGeom prst="wedgeRoundRectCallout">
             <a:avLst>
-              <a:gd name="adj1" fmla="val -217603"/>
-              <a:gd name="adj2" fmla="val 81240"/>
+              <a:gd name="adj1" fmla="val -247990"/>
+              <a:gd name="adj2" fmla="val -152266"/>
               <a:gd name="adj3" fmla="val 16667"/>
             </a:avLst>
           </a:prstGeom>
@@ -30569,7 +30636,7 @@
           <a:lstStyle/>
           <a:p>
             <a:r>
-              <a:rPr kumimoji="1" lang="en-US" dirty="0">
+              <a:rPr kumimoji="1" lang="en-US" sz="3200" b="1" dirty="0">
                 <a:latin typeface="+mj-lt"/>
                 <a:ea typeface="+mj-ea"/>
                 <a:cs typeface="ＭＳ Ｐゴシック" pitchFamily="-1" charset="-128"/>
@@ -30592,14 +30659,14 @@
         <p:spPr>
           <a:extLst>
             <a:ext uri="{909E8E84-426E-40dd-AFC4-6F175D3DCCD1}">
-              <a14:hiddenFill xmlns:a14="http://schemas.microsoft.com/office/drawing/2010/main" xmlns="">
+              <a14:hiddenFill xmlns="" xmlns:a14="http://schemas.microsoft.com/office/drawing/2010/main">
                 <a:solidFill>
                   <a:srgbClr val="FFFFFF"/>
                 </a:solidFill>
               </a14:hiddenFill>
             </a:ext>
             <a:ext uri="{91240B29-F687-4f45-9708-019B960494DF}">
-              <a14:hiddenLine xmlns:a14="http://schemas.microsoft.com/office/drawing/2010/main" xmlns="" w="9525">
+              <a14:hiddenLine xmlns="" xmlns:a14="http://schemas.microsoft.com/office/drawing/2010/main" w="9525">
                 <a:solidFill>
                   <a:srgbClr val="000000"/>
                 </a:solidFill>
@@ -30841,13 +30908,13 @@
         </p:nvSpPr>
         <p:spPr bwMode="auto">
           <a:xfrm>
-            <a:off x="6172965" y="218966"/>
+            <a:off x="6172965" y="2192378"/>
             <a:ext cx="2971035" cy="1532334"/>
           </a:xfrm>
           <a:prstGeom prst="wedgeRoundRectCallout">
             <a:avLst>
-              <a:gd name="adj1" fmla="val -177184"/>
-              <a:gd name="adj2" fmla="val 92560"/>
+              <a:gd name="adj1" fmla="val -139270"/>
+              <a:gd name="adj2" fmla="val -24193"/>
               <a:gd name="adj3" fmla="val 16667"/>
             </a:avLst>
           </a:prstGeom>
@@ -31481,9 +31548,8 @@
           </a:bodyPr>
           <a:lstStyle/>
           <a:p>
-            <a:pPr algn="ctr"/>
-            <a:r>
-              <a:rPr kumimoji="1" lang="en-US" dirty="0">
+            <a:r>
+              <a:rPr kumimoji="1" lang="en-US" sz="3200" b="1" dirty="0">
                 <a:latin typeface="+mj-lt"/>
                 <a:ea typeface="+mj-ea"/>
                 <a:cs typeface="ＭＳ Ｐゴシック" pitchFamily="-1" charset="-128"/>
@@ -31491,11 +31557,11 @@
               <a:t>The nature of functions.. </a:t>
             </a:r>
             <a:r>
-              <a:rPr lang="en-US" dirty="0"/>
+              <a:rPr lang="en-US" sz="3200" b="1" dirty="0"/>
               <a:t>m</a:t>
             </a:r>
             <a:r>
-              <a:rPr kumimoji="1" lang="en-US" dirty="0">
+              <a:rPr kumimoji="1" lang="en-US" sz="3200" b="1" dirty="0">
                 <a:latin typeface="+mj-lt"/>
                 <a:ea typeface="+mj-ea"/>
                 <a:cs typeface="ＭＳ Ｐゴシック" pitchFamily="-1" charset="-128"/>
@@ -31518,14 +31584,14 @@
         <p:spPr>
           <a:extLst>
             <a:ext uri="{909E8E84-426E-40dd-AFC4-6F175D3DCCD1}">
-              <a14:hiddenFill xmlns="" xmlns:a14="http://schemas.microsoft.com/office/drawing/2010/main">
+              <a14:hiddenFill xmlns:a14="http://schemas.microsoft.com/office/drawing/2010/main" xmlns="">
                 <a:solidFill>
                   <a:srgbClr val="FFFFFF"/>
                 </a:solidFill>
               </a14:hiddenFill>
             </a:ext>
             <a:ext uri="{91240B29-F687-4f45-9708-019B960494DF}">
-              <a14:hiddenLine xmlns="" xmlns:a14="http://schemas.microsoft.com/office/drawing/2010/main" w="9525">
+              <a14:hiddenLine xmlns:a14="http://schemas.microsoft.com/office/drawing/2010/main" xmlns="" w="9525">
                 <a:solidFill>
                   <a:srgbClr val="000000"/>
                 </a:solidFill>
@@ -32414,9 +32480,8 @@
           </a:bodyPr>
           <a:lstStyle/>
           <a:p>
-            <a:pPr algn="ctr"/>
-            <a:r>
-              <a:rPr kumimoji="1" lang="en-US" dirty="0">
+            <a:r>
+              <a:rPr kumimoji="1" lang="en-US" sz="3200" b="1" dirty="0">
                 <a:latin typeface="+mj-lt"/>
                 <a:ea typeface="+mj-ea"/>
                 <a:cs typeface="ＭＳ Ｐゴシック" pitchFamily="-1" charset="-128"/>
@@ -32439,14 +32504,14 @@
         <p:spPr>
           <a:extLst>
             <a:ext uri="{909E8E84-426E-40dd-AFC4-6F175D3DCCD1}">
-              <a14:hiddenFill xmlns:a14="http://schemas.microsoft.com/office/drawing/2010/main" xmlns="">
+              <a14:hiddenFill xmlns="" xmlns:a14="http://schemas.microsoft.com/office/drawing/2010/main">
                 <a:solidFill>
                   <a:srgbClr val="FFFFFF"/>
                 </a:solidFill>
               </a14:hiddenFill>
             </a:ext>
             <a:ext uri="{91240B29-F687-4f45-9708-019B960494DF}">
-              <a14:hiddenLine xmlns:a14="http://schemas.microsoft.com/office/drawing/2010/main" xmlns="" w="9525">
+              <a14:hiddenLine xmlns="" xmlns:a14="http://schemas.microsoft.com/office/drawing/2010/main" w="9525">
                 <a:solidFill>
                   <a:srgbClr val="000000"/>
                 </a:solidFill>
